--- a/folien/Semester_04_Termin_03_Kapitel11.pptx
+++ b/folien/Semester_04_Termin_03_Kapitel11.pptx
@@ -166,6 +166,36 @@
       </a:defRPr>
     </a:lvl9pPr>
   </p:defaultTextStyle>
+  <p:extLst>
+    <p:ext uri="{EFAFB233-063F-42B5-8137-9DF3F51BA10A}">
+      <p15:sldGuideLst xmlns:p15="http://schemas.microsoft.com/office/powerpoint/2012/main">
+        <p15:guide id="1" orient="horz" pos="2160">
+          <p15:clr>
+            <a:srgbClr val="A4A3A4"/>
+          </p15:clr>
+        </p15:guide>
+        <p15:guide id="2" pos="2880">
+          <p15:clr>
+            <a:srgbClr val="A4A3A4"/>
+          </p15:clr>
+        </p15:guide>
+      </p15:sldGuideLst>
+    </p:ext>
+    <p:ext uri="{2D200454-40CA-4A62-9FC3-DE9A4176ACB9}">
+      <p15:notesGuideLst xmlns:p15="http://schemas.microsoft.com/office/powerpoint/2012/main">
+        <p15:guide id="1" orient="horz" pos="2880">
+          <p15:clr>
+            <a:srgbClr val="A4A3A4"/>
+          </p15:clr>
+        </p15:guide>
+        <p15:guide id="2" pos="2160">
+          <p15:clr>
+            <a:srgbClr val="A4A3A4"/>
+          </p15:clr>
+        </p15:guide>
+      </p15:notesGuideLst>
+    </p:ext>
+  </p:extLst>
 </p:presentation>
 </file>
 
@@ -198,7 +228,7 @@
         <p:nvSpPr>
           <p:cNvPr id="2050" name="Rectangle 1"/>
           <p:cNvSpPr>
-            <a:spLocks noGrp="1" noChangeArrowheads="1"/>
+            <a:spLocks noGrp="1" noRot="1" noChangeAspect="1" noChangeArrowheads="1"/>
           </p:cNvSpPr>
           <p:nvPr>
             <p:ph type="sldImg"/>
@@ -247,14 +277,14 @@
           <a:effectLst/>
           <a:extLst>
             <a:ext uri="{909E8E84-426E-40DD-AFC4-6F175D3DCCD1}">
-              <a14:hiddenFill xmlns:a14="http://schemas.microsoft.com/office/drawing/2010/main" xmlns="">
+              <a14:hiddenFill xmlns:a14="http://schemas.microsoft.com/office/drawing/2010/main">
                 <a:solidFill>
                   <a:srgbClr val="FFFFFF"/>
                 </a:solidFill>
               </a14:hiddenFill>
             </a:ext>
             <a:ext uri="{91240B29-F687-4F45-9708-019B960494DF}">
-              <a14:hiddenLine xmlns:a14="http://schemas.microsoft.com/office/drawing/2010/main" xmlns="" w="9525">
+              <a14:hiddenLine xmlns:a14="http://schemas.microsoft.com/office/drawing/2010/main" w="9525">
                 <a:solidFill>
                   <a:srgbClr val="000000"/>
                 </a:solidFill>
@@ -264,7 +294,7 @@
               </a14:hiddenLine>
             </a:ext>
             <a:ext uri="{AF507438-7753-43E0-B8FC-AC1667EBCBE1}">
-              <a14:hiddenEffects xmlns:a14="http://schemas.microsoft.com/office/drawing/2010/main" xmlns="">
+              <a14:hiddenEffects xmlns:a14="http://schemas.microsoft.com/office/drawing/2010/main">
                 <a:effectLst>
                   <a:outerShdw dist="35921" dir="2700000" algn="ctr" rotWithShape="0">
                     <a:schemeClr val="bg2"/>
@@ -312,14 +342,14 @@
           <a:effectLst/>
           <a:extLst>
             <a:ext uri="{909E8E84-426E-40DD-AFC4-6F175D3DCCD1}">
-              <a14:hiddenFill xmlns:a14="http://schemas.microsoft.com/office/drawing/2010/main" xmlns="">
+              <a14:hiddenFill xmlns:a14="http://schemas.microsoft.com/office/drawing/2010/main">
                 <a:solidFill>
                   <a:srgbClr val="FFFFFF"/>
                 </a:solidFill>
               </a14:hiddenFill>
             </a:ext>
             <a:ext uri="{91240B29-F687-4F45-9708-019B960494DF}">
-              <a14:hiddenLine xmlns:a14="http://schemas.microsoft.com/office/drawing/2010/main" xmlns="" w="9525">
+              <a14:hiddenLine xmlns:a14="http://schemas.microsoft.com/office/drawing/2010/main" w="9525">
                 <a:solidFill>
                   <a:srgbClr val="000000"/>
                 </a:solidFill>
@@ -329,7 +359,7 @@
               </a14:hiddenLine>
             </a:ext>
             <a:ext uri="{AF507438-7753-43E0-B8FC-AC1667EBCBE1}">
-              <a14:hiddenEffects xmlns:a14="http://schemas.microsoft.com/office/drawing/2010/main" xmlns="">
+              <a14:hiddenEffects xmlns:a14="http://schemas.microsoft.com/office/drawing/2010/main">
                 <a:effectLst>
                   <a:outerShdw dist="35921" dir="2700000" algn="ctr" rotWithShape="0">
                     <a:schemeClr val="bg2"/>
@@ -404,14 +434,14 @@
           <a:effectLst/>
           <a:extLst>
             <a:ext uri="{909E8E84-426E-40DD-AFC4-6F175D3DCCD1}">
-              <a14:hiddenFill xmlns:a14="http://schemas.microsoft.com/office/drawing/2010/main" xmlns="">
+              <a14:hiddenFill xmlns:a14="http://schemas.microsoft.com/office/drawing/2010/main">
                 <a:solidFill>
                   <a:srgbClr val="FFFFFF"/>
                 </a:solidFill>
               </a14:hiddenFill>
             </a:ext>
             <a:ext uri="{91240B29-F687-4F45-9708-019B960494DF}">
-              <a14:hiddenLine xmlns:a14="http://schemas.microsoft.com/office/drawing/2010/main" xmlns="" w="9525">
+              <a14:hiddenLine xmlns:a14="http://schemas.microsoft.com/office/drawing/2010/main" w="9525">
                 <a:solidFill>
                   <a:srgbClr val="000000"/>
                 </a:solidFill>
@@ -421,7 +451,7 @@
               </a14:hiddenLine>
             </a:ext>
             <a:ext uri="{AF507438-7753-43E0-B8FC-AC1667EBCBE1}">
-              <a14:hiddenEffects xmlns:a14="http://schemas.microsoft.com/office/drawing/2010/main" xmlns="">
+              <a14:hiddenEffects xmlns:a14="http://schemas.microsoft.com/office/drawing/2010/main">
                 <a:effectLst>
                   <a:outerShdw dist="35921" dir="2700000" algn="ctr" rotWithShape="0">
                     <a:schemeClr val="bg2"/>
@@ -496,14 +526,14 @@
           <a:effectLst/>
           <a:extLst>
             <a:ext uri="{909E8E84-426E-40DD-AFC4-6F175D3DCCD1}">
-              <a14:hiddenFill xmlns:a14="http://schemas.microsoft.com/office/drawing/2010/main" xmlns="">
+              <a14:hiddenFill xmlns:a14="http://schemas.microsoft.com/office/drawing/2010/main">
                 <a:solidFill>
                   <a:srgbClr val="FFFFFF"/>
                 </a:solidFill>
               </a14:hiddenFill>
             </a:ext>
             <a:ext uri="{91240B29-F687-4F45-9708-019B960494DF}">
-              <a14:hiddenLine xmlns:a14="http://schemas.microsoft.com/office/drawing/2010/main" xmlns="" w="9525">
+              <a14:hiddenLine xmlns:a14="http://schemas.microsoft.com/office/drawing/2010/main" w="9525">
                 <a:solidFill>
                   <a:srgbClr val="000000"/>
                 </a:solidFill>
@@ -513,7 +543,7 @@
               </a14:hiddenLine>
             </a:ext>
             <a:ext uri="{AF507438-7753-43E0-B8FC-AC1667EBCBE1}">
-              <a14:hiddenEffects xmlns:a14="http://schemas.microsoft.com/office/drawing/2010/main" xmlns="">
+              <a14:hiddenEffects xmlns:a14="http://schemas.microsoft.com/office/drawing/2010/main">
                 <a:effectLst>
                   <a:outerShdw dist="35921" dir="2700000" algn="ctr" rotWithShape="0">
                     <a:schemeClr val="bg2"/>
@@ -588,14 +618,14 @@
           <a:effectLst/>
           <a:extLst>
             <a:ext uri="{909E8E84-426E-40DD-AFC4-6F175D3DCCD1}">
-              <a14:hiddenFill xmlns:a14="http://schemas.microsoft.com/office/drawing/2010/main" xmlns="">
+              <a14:hiddenFill xmlns:a14="http://schemas.microsoft.com/office/drawing/2010/main">
                 <a:solidFill>
                   <a:srgbClr val="FFFFFF"/>
                 </a:solidFill>
               </a14:hiddenFill>
             </a:ext>
             <a:ext uri="{91240B29-F687-4F45-9708-019B960494DF}">
-              <a14:hiddenLine xmlns:a14="http://schemas.microsoft.com/office/drawing/2010/main" xmlns="" w="9525">
+              <a14:hiddenLine xmlns:a14="http://schemas.microsoft.com/office/drawing/2010/main" w="9525">
                 <a:solidFill>
                   <a:srgbClr val="000000"/>
                 </a:solidFill>
@@ -605,7 +635,7 @@
               </a14:hiddenLine>
             </a:ext>
             <a:ext uri="{AF507438-7753-43E0-B8FC-AC1667EBCBE1}">
-              <a14:hiddenEffects xmlns:a14="http://schemas.microsoft.com/office/drawing/2010/main" xmlns="">
+              <a14:hiddenEffects xmlns:a14="http://schemas.microsoft.com/office/drawing/2010/main">
                 <a:effectLst>
                   <a:outerShdw dist="35921" dir="2700000" algn="ctr" rotWithShape="0">
                     <a:schemeClr val="bg2"/>
@@ -657,6 +687,11 @@
         </p:txBody>
       </p:sp>
     </p:spTree>
+    <p:extLst>
+      <p:ext uri="{BB962C8B-B14F-4D97-AF65-F5344CB8AC3E}">
+        <p14:creationId xmlns:p14="http://schemas.microsoft.com/office/powerpoint/2010/main" val="2873851998"/>
+      </p:ext>
+    </p:extLst>
   </p:cSld>
   <p:clrMap bg1="lt1" tx1="dk1" bg2="lt2" tx2="dk2" accent1="accent1" accent2="accent2" accent3="accent3" accent4="accent4" accent5="accent5" accent6="accent6" hlink="hlink" folHlink="folHlink"/>
   <p:notesStyle>
@@ -869,7 +904,7 @@
         <p:nvSpPr>
           <p:cNvPr id="4099" name="Rectangle 1"/>
           <p:cNvSpPr txBox="1">
-            <a:spLocks noChangeArrowheads="1" noTextEdit="1"/>
+            <a:spLocks noGrp="1" noRot="1" noChangeAspect="1" noChangeArrowheads="1" noTextEdit="1"/>
           </p:cNvSpPr>
           <p:nvPr>
             <p:ph type="sldImg"/>
@@ -895,7 +930,7 @@
         <p:nvSpPr>
           <p:cNvPr id="4100" name="Rectangle 2"/>
           <p:cNvSpPr txBox="1">
-            <a:spLocks noChangeArrowheads="1"/>
+            <a:spLocks noGrp="1" noChangeArrowheads="1"/>
           </p:cNvSpPr>
           <p:nvPr>
             <p:ph type="body" idx="1"/>
@@ -919,6 +954,11 @@
         </p:txBody>
       </p:sp>
     </p:spTree>
+    <p:extLst>
+      <p:ext uri="{BB962C8B-B14F-4D97-AF65-F5344CB8AC3E}">
+        <p14:creationId xmlns:p14="http://schemas.microsoft.com/office/powerpoint/2010/main" val="2593509893"/>
+      </p:ext>
+    </p:extLst>
   </p:cSld>
   <p:clrMapOvr>
     <a:masterClrMapping/>
@@ -986,7 +1026,7 @@
         <p:nvSpPr>
           <p:cNvPr id="22531" name="Rectangle 1"/>
           <p:cNvSpPr txBox="1">
-            <a:spLocks noChangeArrowheads="1" noTextEdit="1"/>
+            <a:spLocks noGrp="1" noRot="1" noChangeAspect="1" noChangeArrowheads="1" noTextEdit="1"/>
           </p:cNvSpPr>
           <p:nvPr>
             <p:ph type="sldImg"/>
@@ -1012,7 +1052,7 @@
         <p:nvSpPr>
           <p:cNvPr id="22532" name="Rectangle 2"/>
           <p:cNvSpPr txBox="1">
-            <a:spLocks noChangeArrowheads="1"/>
+            <a:spLocks noGrp="1" noChangeArrowheads="1"/>
           </p:cNvSpPr>
           <p:nvPr>
             <p:ph type="body" idx="1"/>
@@ -1036,6 +1076,11 @@
         </p:txBody>
       </p:sp>
     </p:spTree>
+    <p:extLst>
+      <p:ext uri="{BB962C8B-B14F-4D97-AF65-F5344CB8AC3E}">
+        <p14:creationId xmlns:p14="http://schemas.microsoft.com/office/powerpoint/2010/main" val="3763733683"/>
+      </p:ext>
+    </p:extLst>
   </p:cSld>
   <p:clrMapOvr>
     <a:masterClrMapping/>
@@ -1103,7 +1148,7 @@
         <p:nvSpPr>
           <p:cNvPr id="24579" name="Rectangle 1"/>
           <p:cNvSpPr txBox="1">
-            <a:spLocks noChangeArrowheads="1" noTextEdit="1"/>
+            <a:spLocks noGrp="1" noRot="1" noChangeAspect="1" noChangeArrowheads="1" noTextEdit="1"/>
           </p:cNvSpPr>
           <p:nvPr>
             <p:ph type="sldImg"/>
@@ -1129,7 +1174,7 @@
         <p:nvSpPr>
           <p:cNvPr id="24580" name="Rectangle 2"/>
           <p:cNvSpPr txBox="1">
-            <a:spLocks noChangeArrowheads="1"/>
+            <a:spLocks noGrp="1" noChangeArrowheads="1"/>
           </p:cNvSpPr>
           <p:nvPr>
             <p:ph type="body" idx="1"/>
@@ -1153,6 +1198,11 @@
         </p:txBody>
       </p:sp>
     </p:spTree>
+    <p:extLst>
+      <p:ext uri="{BB962C8B-B14F-4D97-AF65-F5344CB8AC3E}">
+        <p14:creationId xmlns:p14="http://schemas.microsoft.com/office/powerpoint/2010/main" val="1625976133"/>
+      </p:ext>
+    </p:extLst>
   </p:cSld>
   <p:clrMapOvr>
     <a:masterClrMapping/>
@@ -1220,7 +1270,7 @@
         <p:nvSpPr>
           <p:cNvPr id="26627" name="Rectangle 1"/>
           <p:cNvSpPr txBox="1">
-            <a:spLocks noChangeArrowheads="1" noTextEdit="1"/>
+            <a:spLocks noGrp="1" noRot="1" noChangeAspect="1" noChangeArrowheads="1" noTextEdit="1"/>
           </p:cNvSpPr>
           <p:nvPr>
             <p:ph type="sldImg"/>
@@ -1246,7 +1296,7 @@
         <p:nvSpPr>
           <p:cNvPr id="26628" name="Rectangle 2"/>
           <p:cNvSpPr txBox="1">
-            <a:spLocks noChangeArrowheads="1"/>
+            <a:spLocks noGrp="1" noChangeArrowheads="1"/>
           </p:cNvSpPr>
           <p:nvPr>
             <p:ph type="body" idx="1"/>
@@ -1270,6 +1320,11 @@
         </p:txBody>
       </p:sp>
     </p:spTree>
+    <p:extLst>
+      <p:ext uri="{BB962C8B-B14F-4D97-AF65-F5344CB8AC3E}">
+        <p14:creationId xmlns:p14="http://schemas.microsoft.com/office/powerpoint/2010/main" val="2931507362"/>
+      </p:ext>
+    </p:extLst>
   </p:cSld>
   <p:clrMapOvr>
     <a:masterClrMapping/>
@@ -1337,7 +1392,7 @@
         <p:nvSpPr>
           <p:cNvPr id="28675" name="Rectangle 1"/>
           <p:cNvSpPr txBox="1">
-            <a:spLocks noChangeArrowheads="1" noTextEdit="1"/>
+            <a:spLocks noGrp="1" noRot="1" noChangeAspect="1" noChangeArrowheads="1" noTextEdit="1"/>
           </p:cNvSpPr>
           <p:nvPr>
             <p:ph type="sldImg"/>
@@ -1363,7 +1418,7 @@
         <p:nvSpPr>
           <p:cNvPr id="28676" name="Rectangle 2"/>
           <p:cNvSpPr txBox="1">
-            <a:spLocks noChangeArrowheads="1"/>
+            <a:spLocks noGrp="1" noChangeArrowheads="1"/>
           </p:cNvSpPr>
           <p:nvPr>
             <p:ph type="body" idx="1"/>
@@ -1387,6 +1442,11 @@
         </p:txBody>
       </p:sp>
     </p:spTree>
+    <p:extLst>
+      <p:ext uri="{BB962C8B-B14F-4D97-AF65-F5344CB8AC3E}">
+        <p14:creationId xmlns:p14="http://schemas.microsoft.com/office/powerpoint/2010/main" val="753189896"/>
+      </p:ext>
+    </p:extLst>
   </p:cSld>
   <p:clrMapOvr>
     <a:masterClrMapping/>
@@ -1454,7 +1514,7 @@
         <p:nvSpPr>
           <p:cNvPr id="30723" name="Rectangle 1"/>
           <p:cNvSpPr txBox="1">
-            <a:spLocks noChangeArrowheads="1" noTextEdit="1"/>
+            <a:spLocks noGrp="1" noRot="1" noChangeAspect="1" noChangeArrowheads="1" noTextEdit="1"/>
           </p:cNvSpPr>
           <p:nvPr>
             <p:ph type="sldImg"/>
@@ -1480,7 +1540,7 @@
         <p:nvSpPr>
           <p:cNvPr id="30724" name="Rectangle 2"/>
           <p:cNvSpPr txBox="1">
-            <a:spLocks noChangeArrowheads="1"/>
+            <a:spLocks noGrp="1" noChangeArrowheads="1"/>
           </p:cNvSpPr>
           <p:nvPr>
             <p:ph type="body" idx="1"/>
@@ -1504,6 +1564,11 @@
         </p:txBody>
       </p:sp>
     </p:spTree>
+    <p:extLst>
+      <p:ext uri="{BB962C8B-B14F-4D97-AF65-F5344CB8AC3E}">
+        <p14:creationId xmlns:p14="http://schemas.microsoft.com/office/powerpoint/2010/main" val="2702142423"/>
+      </p:ext>
+    </p:extLst>
   </p:cSld>
   <p:clrMapOvr>
     <a:masterClrMapping/>
@@ -1571,7 +1636,7 @@
         <p:nvSpPr>
           <p:cNvPr id="32771" name="Rectangle 1"/>
           <p:cNvSpPr txBox="1">
-            <a:spLocks noChangeArrowheads="1" noTextEdit="1"/>
+            <a:spLocks noGrp="1" noRot="1" noChangeAspect="1" noChangeArrowheads="1" noTextEdit="1"/>
           </p:cNvSpPr>
           <p:nvPr>
             <p:ph type="sldImg"/>
@@ -1597,7 +1662,7 @@
         <p:nvSpPr>
           <p:cNvPr id="32772" name="Rectangle 2"/>
           <p:cNvSpPr txBox="1">
-            <a:spLocks noChangeArrowheads="1"/>
+            <a:spLocks noGrp="1" noChangeArrowheads="1"/>
           </p:cNvSpPr>
           <p:nvPr>
             <p:ph type="body" idx="1"/>
@@ -1621,6 +1686,11 @@
         </p:txBody>
       </p:sp>
     </p:spTree>
+    <p:extLst>
+      <p:ext uri="{BB962C8B-B14F-4D97-AF65-F5344CB8AC3E}">
+        <p14:creationId xmlns:p14="http://schemas.microsoft.com/office/powerpoint/2010/main" val="3054622383"/>
+      </p:ext>
+    </p:extLst>
   </p:cSld>
   <p:clrMapOvr>
     <a:masterClrMapping/>
@@ -1688,7 +1758,7 @@
         <p:nvSpPr>
           <p:cNvPr id="34819" name="Rectangle 1"/>
           <p:cNvSpPr txBox="1">
-            <a:spLocks noChangeArrowheads="1" noTextEdit="1"/>
+            <a:spLocks noGrp="1" noRot="1" noChangeAspect="1" noChangeArrowheads="1" noTextEdit="1"/>
           </p:cNvSpPr>
           <p:nvPr>
             <p:ph type="sldImg"/>
@@ -1714,7 +1784,7 @@
         <p:nvSpPr>
           <p:cNvPr id="34820" name="Rectangle 2"/>
           <p:cNvSpPr txBox="1">
-            <a:spLocks noChangeArrowheads="1"/>
+            <a:spLocks noGrp="1" noChangeArrowheads="1"/>
           </p:cNvSpPr>
           <p:nvPr>
             <p:ph type="body" idx="1"/>
@@ -1738,6 +1808,11 @@
         </p:txBody>
       </p:sp>
     </p:spTree>
+    <p:extLst>
+      <p:ext uri="{BB962C8B-B14F-4D97-AF65-F5344CB8AC3E}">
+        <p14:creationId xmlns:p14="http://schemas.microsoft.com/office/powerpoint/2010/main" val="3722194418"/>
+      </p:ext>
+    </p:extLst>
   </p:cSld>
   <p:clrMapOvr>
     <a:masterClrMapping/>
@@ -1805,7 +1880,7 @@
         <p:nvSpPr>
           <p:cNvPr id="36867" name="Rectangle 1"/>
           <p:cNvSpPr txBox="1">
-            <a:spLocks noChangeArrowheads="1" noTextEdit="1"/>
+            <a:spLocks noGrp="1" noRot="1" noChangeAspect="1" noChangeArrowheads="1" noTextEdit="1"/>
           </p:cNvSpPr>
           <p:nvPr>
             <p:ph type="sldImg"/>
@@ -1831,7 +1906,7 @@
         <p:nvSpPr>
           <p:cNvPr id="36868" name="Rectangle 2"/>
           <p:cNvSpPr txBox="1">
-            <a:spLocks noChangeArrowheads="1"/>
+            <a:spLocks noGrp="1" noChangeArrowheads="1"/>
           </p:cNvSpPr>
           <p:nvPr>
             <p:ph type="body" idx="1"/>
@@ -1855,6 +1930,11 @@
         </p:txBody>
       </p:sp>
     </p:spTree>
+    <p:extLst>
+      <p:ext uri="{BB962C8B-B14F-4D97-AF65-F5344CB8AC3E}">
+        <p14:creationId xmlns:p14="http://schemas.microsoft.com/office/powerpoint/2010/main" val="2251518030"/>
+      </p:ext>
+    </p:extLst>
   </p:cSld>
   <p:clrMapOvr>
     <a:masterClrMapping/>
@@ -1922,7 +2002,7 @@
         <p:nvSpPr>
           <p:cNvPr id="38915" name="Rectangle 1"/>
           <p:cNvSpPr txBox="1">
-            <a:spLocks noChangeArrowheads="1" noTextEdit="1"/>
+            <a:spLocks noGrp="1" noRot="1" noChangeAspect="1" noChangeArrowheads="1" noTextEdit="1"/>
           </p:cNvSpPr>
           <p:nvPr>
             <p:ph type="sldImg"/>
@@ -1948,7 +2028,7 @@
         <p:nvSpPr>
           <p:cNvPr id="38916" name="Rectangle 2"/>
           <p:cNvSpPr txBox="1">
-            <a:spLocks noChangeArrowheads="1"/>
+            <a:spLocks noGrp="1" noChangeArrowheads="1"/>
           </p:cNvSpPr>
           <p:nvPr>
             <p:ph type="body" idx="1"/>
@@ -1972,6 +2052,11 @@
         </p:txBody>
       </p:sp>
     </p:spTree>
+    <p:extLst>
+      <p:ext uri="{BB962C8B-B14F-4D97-AF65-F5344CB8AC3E}">
+        <p14:creationId xmlns:p14="http://schemas.microsoft.com/office/powerpoint/2010/main" val="377448656"/>
+      </p:ext>
+    </p:extLst>
   </p:cSld>
   <p:clrMapOvr>
     <a:masterClrMapping/>
@@ -2039,7 +2124,7 @@
         <p:nvSpPr>
           <p:cNvPr id="40963" name="Rectangle 1"/>
           <p:cNvSpPr txBox="1">
-            <a:spLocks noChangeArrowheads="1" noTextEdit="1"/>
+            <a:spLocks noGrp="1" noRot="1" noChangeAspect="1" noChangeArrowheads="1" noTextEdit="1"/>
           </p:cNvSpPr>
           <p:nvPr>
             <p:ph type="sldImg"/>
@@ -2065,7 +2150,7 @@
         <p:nvSpPr>
           <p:cNvPr id="40964" name="Rectangle 2"/>
           <p:cNvSpPr txBox="1">
-            <a:spLocks noChangeArrowheads="1"/>
+            <a:spLocks noGrp="1" noChangeArrowheads="1"/>
           </p:cNvSpPr>
           <p:nvPr>
             <p:ph type="body" idx="1"/>
@@ -2089,6 +2174,11 @@
         </p:txBody>
       </p:sp>
     </p:spTree>
+    <p:extLst>
+      <p:ext uri="{BB962C8B-B14F-4D97-AF65-F5344CB8AC3E}">
+        <p14:creationId xmlns:p14="http://schemas.microsoft.com/office/powerpoint/2010/main" val="4078867436"/>
+      </p:ext>
+    </p:extLst>
   </p:cSld>
   <p:clrMapOvr>
     <a:masterClrMapping/>
@@ -2156,7 +2246,7 @@
         <p:nvSpPr>
           <p:cNvPr id="6147" name="Rectangle 1"/>
           <p:cNvSpPr txBox="1">
-            <a:spLocks noChangeArrowheads="1" noTextEdit="1"/>
+            <a:spLocks noGrp="1" noRot="1" noChangeAspect="1" noChangeArrowheads="1" noTextEdit="1"/>
           </p:cNvSpPr>
           <p:nvPr>
             <p:ph type="sldImg"/>
@@ -2182,7 +2272,7 @@
         <p:nvSpPr>
           <p:cNvPr id="6148" name="Rectangle 2"/>
           <p:cNvSpPr txBox="1">
-            <a:spLocks noChangeArrowheads="1"/>
+            <a:spLocks noGrp="1" noChangeArrowheads="1"/>
           </p:cNvSpPr>
           <p:nvPr>
             <p:ph type="body" idx="1"/>
@@ -2206,6 +2296,11 @@
         </p:txBody>
       </p:sp>
     </p:spTree>
+    <p:extLst>
+      <p:ext uri="{BB962C8B-B14F-4D97-AF65-F5344CB8AC3E}">
+        <p14:creationId xmlns:p14="http://schemas.microsoft.com/office/powerpoint/2010/main" val="1952337194"/>
+      </p:ext>
+    </p:extLst>
   </p:cSld>
   <p:clrMapOvr>
     <a:masterClrMapping/>
@@ -2273,7 +2368,7 @@
         <p:nvSpPr>
           <p:cNvPr id="43011" name="Rectangle 1"/>
           <p:cNvSpPr txBox="1">
-            <a:spLocks noChangeArrowheads="1" noTextEdit="1"/>
+            <a:spLocks noGrp="1" noRot="1" noChangeAspect="1" noChangeArrowheads="1" noTextEdit="1"/>
           </p:cNvSpPr>
           <p:nvPr>
             <p:ph type="sldImg"/>
@@ -2299,7 +2394,7 @@
         <p:nvSpPr>
           <p:cNvPr id="43012" name="Rectangle 2"/>
           <p:cNvSpPr txBox="1">
-            <a:spLocks noChangeArrowheads="1"/>
+            <a:spLocks noGrp="1" noChangeArrowheads="1"/>
           </p:cNvSpPr>
           <p:nvPr>
             <p:ph type="body" idx="1"/>
@@ -2323,6 +2418,11 @@
         </p:txBody>
       </p:sp>
     </p:spTree>
+    <p:extLst>
+      <p:ext uri="{BB962C8B-B14F-4D97-AF65-F5344CB8AC3E}">
+        <p14:creationId xmlns:p14="http://schemas.microsoft.com/office/powerpoint/2010/main" val="2812393089"/>
+      </p:ext>
+    </p:extLst>
   </p:cSld>
   <p:clrMapOvr>
     <a:masterClrMapping/>
@@ -2390,7 +2490,7 @@
         <p:nvSpPr>
           <p:cNvPr id="45059" name="Rectangle 1"/>
           <p:cNvSpPr txBox="1">
-            <a:spLocks noChangeArrowheads="1" noTextEdit="1"/>
+            <a:spLocks noGrp="1" noRot="1" noChangeAspect="1" noChangeArrowheads="1" noTextEdit="1"/>
           </p:cNvSpPr>
           <p:nvPr>
             <p:ph type="sldImg"/>
@@ -2416,7 +2516,7 @@
         <p:nvSpPr>
           <p:cNvPr id="45060" name="Rectangle 2"/>
           <p:cNvSpPr txBox="1">
-            <a:spLocks noChangeArrowheads="1"/>
+            <a:spLocks noGrp="1" noChangeArrowheads="1"/>
           </p:cNvSpPr>
           <p:nvPr>
             <p:ph type="body" idx="1"/>
@@ -2440,6 +2540,11 @@
         </p:txBody>
       </p:sp>
     </p:spTree>
+    <p:extLst>
+      <p:ext uri="{BB962C8B-B14F-4D97-AF65-F5344CB8AC3E}">
+        <p14:creationId xmlns:p14="http://schemas.microsoft.com/office/powerpoint/2010/main" val="4212216332"/>
+      </p:ext>
+    </p:extLst>
   </p:cSld>
   <p:clrMapOvr>
     <a:masterClrMapping/>
@@ -2507,7 +2612,7 @@
         <p:nvSpPr>
           <p:cNvPr id="47107" name="Rectangle 1"/>
           <p:cNvSpPr txBox="1">
-            <a:spLocks noChangeArrowheads="1" noTextEdit="1"/>
+            <a:spLocks noGrp="1" noRot="1" noChangeAspect="1" noChangeArrowheads="1" noTextEdit="1"/>
           </p:cNvSpPr>
           <p:nvPr>
             <p:ph type="sldImg"/>
@@ -2533,7 +2638,7 @@
         <p:nvSpPr>
           <p:cNvPr id="47108" name="Rectangle 2"/>
           <p:cNvSpPr txBox="1">
-            <a:spLocks noChangeArrowheads="1"/>
+            <a:spLocks noGrp="1" noChangeArrowheads="1"/>
           </p:cNvSpPr>
           <p:nvPr>
             <p:ph type="body" idx="1"/>
@@ -2557,6 +2662,11 @@
         </p:txBody>
       </p:sp>
     </p:spTree>
+    <p:extLst>
+      <p:ext uri="{BB962C8B-B14F-4D97-AF65-F5344CB8AC3E}">
+        <p14:creationId xmlns:p14="http://schemas.microsoft.com/office/powerpoint/2010/main" val="3781287987"/>
+      </p:ext>
+    </p:extLst>
   </p:cSld>
   <p:clrMapOvr>
     <a:masterClrMapping/>
@@ -2624,7 +2734,7 @@
         <p:nvSpPr>
           <p:cNvPr id="49155" name="Rectangle 1"/>
           <p:cNvSpPr txBox="1">
-            <a:spLocks noChangeArrowheads="1" noTextEdit="1"/>
+            <a:spLocks noGrp="1" noRot="1" noChangeAspect="1" noChangeArrowheads="1" noTextEdit="1"/>
           </p:cNvSpPr>
           <p:nvPr>
             <p:ph type="sldImg"/>
@@ -2650,7 +2760,7 @@
         <p:nvSpPr>
           <p:cNvPr id="49156" name="Rectangle 2"/>
           <p:cNvSpPr txBox="1">
-            <a:spLocks noChangeArrowheads="1"/>
+            <a:spLocks noGrp="1" noChangeArrowheads="1"/>
           </p:cNvSpPr>
           <p:nvPr>
             <p:ph type="body" idx="1"/>
@@ -2674,6 +2784,11 @@
         </p:txBody>
       </p:sp>
     </p:spTree>
+    <p:extLst>
+      <p:ext uri="{BB962C8B-B14F-4D97-AF65-F5344CB8AC3E}">
+        <p14:creationId xmlns:p14="http://schemas.microsoft.com/office/powerpoint/2010/main" val="2232707671"/>
+      </p:ext>
+    </p:extLst>
   </p:cSld>
   <p:clrMapOvr>
     <a:masterClrMapping/>
@@ -2741,7 +2856,7 @@
         <p:nvSpPr>
           <p:cNvPr id="51203" name="Rectangle 1"/>
           <p:cNvSpPr txBox="1">
-            <a:spLocks noChangeArrowheads="1" noTextEdit="1"/>
+            <a:spLocks noGrp="1" noRot="1" noChangeAspect="1" noChangeArrowheads="1" noTextEdit="1"/>
           </p:cNvSpPr>
           <p:nvPr>
             <p:ph type="sldImg"/>
@@ -2767,7 +2882,7 @@
         <p:nvSpPr>
           <p:cNvPr id="51204" name="Rectangle 2"/>
           <p:cNvSpPr txBox="1">
-            <a:spLocks noChangeArrowheads="1"/>
+            <a:spLocks noGrp="1" noChangeArrowheads="1"/>
           </p:cNvSpPr>
           <p:nvPr>
             <p:ph type="body" idx="1"/>
@@ -2791,6 +2906,11 @@
         </p:txBody>
       </p:sp>
     </p:spTree>
+    <p:extLst>
+      <p:ext uri="{BB962C8B-B14F-4D97-AF65-F5344CB8AC3E}">
+        <p14:creationId xmlns:p14="http://schemas.microsoft.com/office/powerpoint/2010/main" val="2663429066"/>
+      </p:ext>
+    </p:extLst>
   </p:cSld>
   <p:clrMapOvr>
     <a:masterClrMapping/>
@@ -2858,7 +2978,7 @@
         <p:nvSpPr>
           <p:cNvPr id="53251" name="Rectangle 1"/>
           <p:cNvSpPr txBox="1">
-            <a:spLocks noChangeArrowheads="1" noTextEdit="1"/>
+            <a:spLocks noGrp="1" noRot="1" noChangeAspect="1" noChangeArrowheads="1" noTextEdit="1"/>
           </p:cNvSpPr>
           <p:nvPr>
             <p:ph type="sldImg"/>
@@ -2884,7 +3004,7 @@
         <p:nvSpPr>
           <p:cNvPr id="53252" name="Rectangle 2"/>
           <p:cNvSpPr txBox="1">
-            <a:spLocks noChangeArrowheads="1"/>
+            <a:spLocks noGrp="1" noChangeArrowheads="1"/>
           </p:cNvSpPr>
           <p:nvPr>
             <p:ph type="body" idx="1"/>
@@ -2908,6 +3028,11 @@
         </p:txBody>
       </p:sp>
     </p:spTree>
+    <p:extLst>
+      <p:ext uri="{BB962C8B-B14F-4D97-AF65-F5344CB8AC3E}">
+        <p14:creationId xmlns:p14="http://schemas.microsoft.com/office/powerpoint/2010/main" val="3344548134"/>
+      </p:ext>
+    </p:extLst>
   </p:cSld>
   <p:clrMapOvr>
     <a:masterClrMapping/>
@@ -2975,7 +3100,7 @@
         <p:nvSpPr>
           <p:cNvPr id="55299" name="Rectangle 1"/>
           <p:cNvSpPr txBox="1">
-            <a:spLocks noChangeArrowheads="1" noTextEdit="1"/>
+            <a:spLocks noGrp="1" noRot="1" noChangeAspect="1" noChangeArrowheads="1" noTextEdit="1"/>
           </p:cNvSpPr>
           <p:nvPr>
             <p:ph type="sldImg"/>
@@ -3001,7 +3126,7 @@
         <p:nvSpPr>
           <p:cNvPr id="55300" name="Rectangle 2"/>
           <p:cNvSpPr txBox="1">
-            <a:spLocks noChangeArrowheads="1"/>
+            <a:spLocks noGrp="1" noChangeArrowheads="1"/>
           </p:cNvSpPr>
           <p:nvPr>
             <p:ph type="body" idx="1"/>
@@ -3025,6 +3150,11 @@
         </p:txBody>
       </p:sp>
     </p:spTree>
+    <p:extLst>
+      <p:ext uri="{BB962C8B-B14F-4D97-AF65-F5344CB8AC3E}">
+        <p14:creationId xmlns:p14="http://schemas.microsoft.com/office/powerpoint/2010/main" val="63315558"/>
+      </p:ext>
+    </p:extLst>
   </p:cSld>
   <p:clrMapOvr>
     <a:masterClrMapping/>
@@ -3092,7 +3222,7 @@
         <p:nvSpPr>
           <p:cNvPr id="57347" name="Rectangle 1"/>
           <p:cNvSpPr txBox="1">
-            <a:spLocks noChangeArrowheads="1" noTextEdit="1"/>
+            <a:spLocks noGrp="1" noRot="1" noChangeAspect="1" noChangeArrowheads="1" noTextEdit="1"/>
           </p:cNvSpPr>
           <p:nvPr>
             <p:ph type="sldImg"/>
@@ -3118,7 +3248,7 @@
         <p:nvSpPr>
           <p:cNvPr id="57348" name="Rectangle 2"/>
           <p:cNvSpPr txBox="1">
-            <a:spLocks noChangeArrowheads="1"/>
+            <a:spLocks noGrp="1" noChangeArrowheads="1"/>
           </p:cNvSpPr>
           <p:nvPr>
             <p:ph type="body" idx="1"/>
@@ -3142,6 +3272,11 @@
         </p:txBody>
       </p:sp>
     </p:spTree>
+    <p:extLst>
+      <p:ext uri="{BB962C8B-B14F-4D97-AF65-F5344CB8AC3E}">
+        <p14:creationId xmlns:p14="http://schemas.microsoft.com/office/powerpoint/2010/main" val="1901287707"/>
+      </p:ext>
+    </p:extLst>
   </p:cSld>
   <p:clrMapOvr>
     <a:masterClrMapping/>
@@ -3209,7 +3344,7 @@
         <p:nvSpPr>
           <p:cNvPr id="59395" name="Rectangle 1"/>
           <p:cNvSpPr txBox="1">
-            <a:spLocks noChangeArrowheads="1" noTextEdit="1"/>
+            <a:spLocks noGrp="1" noRot="1" noChangeAspect="1" noChangeArrowheads="1" noTextEdit="1"/>
           </p:cNvSpPr>
           <p:nvPr>
             <p:ph type="sldImg"/>
@@ -3235,7 +3370,7 @@
         <p:nvSpPr>
           <p:cNvPr id="59396" name="Rectangle 2"/>
           <p:cNvSpPr txBox="1">
-            <a:spLocks noChangeArrowheads="1"/>
+            <a:spLocks noGrp="1" noChangeArrowheads="1"/>
           </p:cNvSpPr>
           <p:nvPr>
             <p:ph type="body" idx="1"/>
@@ -3259,6 +3394,11 @@
         </p:txBody>
       </p:sp>
     </p:spTree>
+    <p:extLst>
+      <p:ext uri="{BB962C8B-B14F-4D97-AF65-F5344CB8AC3E}">
+        <p14:creationId xmlns:p14="http://schemas.microsoft.com/office/powerpoint/2010/main" val="2228270576"/>
+      </p:ext>
+    </p:extLst>
   </p:cSld>
   <p:clrMapOvr>
     <a:masterClrMapping/>
@@ -3326,7 +3466,7 @@
         <p:nvSpPr>
           <p:cNvPr id="61443" name="Rectangle 1"/>
           <p:cNvSpPr txBox="1">
-            <a:spLocks noChangeArrowheads="1" noTextEdit="1"/>
+            <a:spLocks noGrp="1" noRot="1" noChangeAspect="1" noChangeArrowheads="1" noTextEdit="1"/>
           </p:cNvSpPr>
           <p:nvPr>
             <p:ph type="sldImg"/>
@@ -3352,7 +3492,7 @@
         <p:nvSpPr>
           <p:cNvPr id="61444" name="Rectangle 2"/>
           <p:cNvSpPr txBox="1">
-            <a:spLocks noChangeArrowheads="1"/>
+            <a:spLocks noGrp="1" noChangeArrowheads="1"/>
           </p:cNvSpPr>
           <p:nvPr>
             <p:ph type="body" idx="1"/>
@@ -3376,6 +3516,11 @@
         </p:txBody>
       </p:sp>
     </p:spTree>
+    <p:extLst>
+      <p:ext uri="{BB962C8B-B14F-4D97-AF65-F5344CB8AC3E}">
+        <p14:creationId xmlns:p14="http://schemas.microsoft.com/office/powerpoint/2010/main" val="1710117802"/>
+      </p:ext>
+    </p:extLst>
   </p:cSld>
   <p:clrMapOvr>
     <a:masterClrMapping/>
@@ -3443,7 +3588,7 @@
         <p:nvSpPr>
           <p:cNvPr id="8195" name="Rectangle 1"/>
           <p:cNvSpPr txBox="1">
-            <a:spLocks noChangeArrowheads="1" noTextEdit="1"/>
+            <a:spLocks noGrp="1" noRot="1" noChangeAspect="1" noChangeArrowheads="1" noTextEdit="1"/>
           </p:cNvSpPr>
           <p:nvPr>
             <p:ph type="sldImg"/>
@@ -3469,7 +3614,7 @@
         <p:nvSpPr>
           <p:cNvPr id="8196" name="Rectangle 2"/>
           <p:cNvSpPr txBox="1">
-            <a:spLocks noChangeArrowheads="1"/>
+            <a:spLocks noGrp="1" noChangeArrowheads="1"/>
           </p:cNvSpPr>
           <p:nvPr>
             <p:ph type="body" idx="1"/>
@@ -3493,6 +3638,11 @@
         </p:txBody>
       </p:sp>
     </p:spTree>
+    <p:extLst>
+      <p:ext uri="{BB962C8B-B14F-4D97-AF65-F5344CB8AC3E}">
+        <p14:creationId xmlns:p14="http://schemas.microsoft.com/office/powerpoint/2010/main" val="287221361"/>
+      </p:ext>
+    </p:extLst>
   </p:cSld>
   <p:clrMapOvr>
     <a:masterClrMapping/>
@@ -3560,7 +3710,7 @@
         <p:nvSpPr>
           <p:cNvPr id="63491" name="Rectangle 1"/>
           <p:cNvSpPr txBox="1">
-            <a:spLocks noChangeArrowheads="1" noTextEdit="1"/>
+            <a:spLocks noGrp="1" noRot="1" noChangeAspect="1" noChangeArrowheads="1" noTextEdit="1"/>
           </p:cNvSpPr>
           <p:nvPr>
             <p:ph type="sldImg"/>
@@ -3586,7 +3736,7 @@
         <p:nvSpPr>
           <p:cNvPr id="63492" name="Rectangle 2"/>
           <p:cNvSpPr txBox="1">
-            <a:spLocks noChangeArrowheads="1"/>
+            <a:spLocks noGrp="1" noChangeArrowheads="1"/>
           </p:cNvSpPr>
           <p:nvPr>
             <p:ph type="body" idx="1"/>
@@ -3610,6 +3760,11 @@
         </p:txBody>
       </p:sp>
     </p:spTree>
+    <p:extLst>
+      <p:ext uri="{BB962C8B-B14F-4D97-AF65-F5344CB8AC3E}">
+        <p14:creationId xmlns:p14="http://schemas.microsoft.com/office/powerpoint/2010/main" val="3183625174"/>
+      </p:ext>
+    </p:extLst>
   </p:cSld>
   <p:clrMapOvr>
     <a:masterClrMapping/>
@@ -3677,7 +3832,7 @@
         <p:nvSpPr>
           <p:cNvPr id="10243" name="Rectangle 1"/>
           <p:cNvSpPr txBox="1">
-            <a:spLocks noChangeArrowheads="1" noTextEdit="1"/>
+            <a:spLocks noGrp="1" noRot="1" noChangeAspect="1" noChangeArrowheads="1" noTextEdit="1"/>
           </p:cNvSpPr>
           <p:nvPr>
             <p:ph type="sldImg"/>
@@ -3703,7 +3858,7 @@
         <p:nvSpPr>
           <p:cNvPr id="10244" name="Rectangle 2"/>
           <p:cNvSpPr txBox="1">
-            <a:spLocks noChangeArrowheads="1"/>
+            <a:spLocks noGrp="1" noChangeArrowheads="1"/>
           </p:cNvSpPr>
           <p:nvPr>
             <p:ph type="body" idx="1"/>
@@ -3727,6 +3882,11 @@
         </p:txBody>
       </p:sp>
     </p:spTree>
+    <p:extLst>
+      <p:ext uri="{BB962C8B-B14F-4D97-AF65-F5344CB8AC3E}">
+        <p14:creationId xmlns:p14="http://schemas.microsoft.com/office/powerpoint/2010/main" val="3106361462"/>
+      </p:ext>
+    </p:extLst>
   </p:cSld>
   <p:clrMapOvr>
     <a:masterClrMapping/>
@@ -3794,7 +3954,7 @@
         <p:nvSpPr>
           <p:cNvPr id="12291" name="Rectangle 1"/>
           <p:cNvSpPr txBox="1">
-            <a:spLocks noChangeArrowheads="1" noTextEdit="1"/>
+            <a:spLocks noGrp="1" noRot="1" noChangeAspect="1" noChangeArrowheads="1" noTextEdit="1"/>
           </p:cNvSpPr>
           <p:nvPr>
             <p:ph type="sldImg"/>
@@ -3820,7 +3980,7 @@
         <p:nvSpPr>
           <p:cNvPr id="12292" name="Rectangle 2"/>
           <p:cNvSpPr txBox="1">
-            <a:spLocks noChangeArrowheads="1"/>
+            <a:spLocks noGrp="1" noChangeArrowheads="1"/>
           </p:cNvSpPr>
           <p:nvPr>
             <p:ph type="body" idx="1"/>
@@ -3844,6 +4004,11 @@
         </p:txBody>
       </p:sp>
     </p:spTree>
+    <p:extLst>
+      <p:ext uri="{BB962C8B-B14F-4D97-AF65-F5344CB8AC3E}">
+        <p14:creationId xmlns:p14="http://schemas.microsoft.com/office/powerpoint/2010/main" val="4107192011"/>
+      </p:ext>
+    </p:extLst>
   </p:cSld>
   <p:clrMapOvr>
     <a:masterClrMapping/>
@@ -3911,7 +4076,7 @@
         <p:nvSpPr>
           <p:cNvPr id="14339" name="Rectangle 1"/>
           <p:cNvSpPr txBox="1">
-            <a:spLocks noChangeArrowheads="1" noTextEdit="1"/>
+            <a:spLocks noGrp="1" noRot="1" noChangeAspect="1" noChangeArrowheads="1" noTextEdit="1"/>
           </p:cNvSpPr>
           <p:nvPr>
             <p:ph type="sldImg"/>
@@ -3937,7 +4102,7 @@
         <p:nvSpPr>
           <p:cNvPr id="14340" name="Rectangle 2"/>
           <p:cNvSpPr txBox="1">
-            <a:spLocks noChangeArrowheads="1"/>
+            <a:spLocks noGrp="1" noChangeArrowheads="1"/>
           </p:cNvSpPr>
           <p:nvPr>
             <p:ph type="body" idx="1"/>
@@ -3961,6 +4126,11 @@
         </p:txBody>
       </p:sp>
     </p:spTree>
+    <p:extLst>
+      <p:ext uri="{BB962C8B-B14F-4D97-AF65-F5344CB8AC3E}">
+        <p14:creationId xmlns:p14="http://schemas.microsoft.com/office/powerpoint/2010/main" val="389053077"/>
+      </p:ext>
+    </p:extLst>
   </p:cSld>
   <p:clrMapOvr>
     <a:masterClrMapping/>
@@ -4028,7 +4198,7 @@
         <p:nvSpPr>
           <p:cNvPr id="16387" name="Rectangle 1"/>
           <p:cNvSpPr txBox="1">
-            <a:spLocks noChangeArrowheads="1" noTextEdit="1"/>
+            <a:spLocks noGrp="1" noRot="1" noChangeAspect="1" noChangeArrowheads="1" noTextEdit="1"/>
           </p:cNvSpPr>
           <p:nvPr>
             <p:ph type="sldImg"/>
@@ -4054,7 +4224,7 @@
         <p:nvSpPr>
           <p:cNvPr id="16388" name="Rectangle 2"/>
           <p:cNvSpPr txBox="1">
-            <a:spLocks noChangeArrowheads="1"/>
+            <a:spLocks noGrp="1" noChangeArrowheads="1"/>
           </p:cNvSpPr>
           <p:nvPr>
             <p:ph type="body" idx="1"/>
@@ -4078,6 +4248,11 @@
         </p:txBody>
       </p:sp>
     </p:spTree>
+    <p:extLst>
+      <p:ext uri="{BB962C8B-B14F-4D97-AF65-F5344CB8AC3E}">
+        <p14:creationId xmlns:p14="http://schemas.microsoft.com/office/powerpoint/2010/main" val="724434904"/>
+      </p:ext>
+    </p:extLst>
   </p:cSld>
   <p:clrMapOvr>
     <a:masterClrMapping/>
@@ -4145,7 +4320,7 @@
         <p:nvSpPr>
           <p:cNvPr id="18435" name="Rectangle 1"/>
           <p:cNvSpPr txBox="1">
-            <a:spLocks noChangeArrowheads="1" noTextEdit="1"/>
+            <a:spLocks noGrp="1" noRot="1" noChangeAspect="1" noChangeArrowheads="1" noTextEdit="1"/>
           </p:cNvSpPr>
           <p:nvPr>
             <p:ph type="sldImg"/>
@@ -4171,7 +4346,7 @@
         <p:nvSpPr>
           <p:cNvPr id="18436" name="Rectangle 2"/>
           <p:cNvSpPr txBox="1">
-            <a:spLocks noChangeArrowheads="1"/>
+            <a:spLocks noGrp="1" noChangeArrowheads="1"/>
           </p:cNvSpPr>
           <p:nvPr>
             <p:ph type="body" idx="1"/>
@@ -4195,6 +4370,11 @@
         </p:txBody>
       </p:sp>
     </p:spTree>
+    <p:extLst>
+      <p:ext uri="{BB962C8B-B14F-4D97-AF65-F5344CB8AC3E}">
+        <p14:creationId xmlns:p14="http://schemas.microsoft.com/office/powerpoint/2010/main" val="551085441"/>
+      </p:ext>
+    </p:extLst>
   </p:cSld>
   <p:clrMapOvr>
     <a:masterClrMapping/>
@@ -4262,7 +4442,7 @@
         <p:nvSpPr>
           <p:cNvPr id="20483" name="Rectangle 1"/>
           <p:cNvSpPr txBox="1">
-            <a:spLocks noChangeArrowheads="1" noTextEdit="1"/>
+            <a:spLocks noGrp="1" noRot="1" noChangeAspect="1" noChangeArrowheads="1" noTextEdit="1"/>
           </p:cNvSpPr>
           <p:nvPr>
             <p:ph type="sldImg"/>
@@ -4288,7 +4468,7 @@
         <p:nvSpPr>
           <p:cNvPr id="20484" name="Rectangle 2"/>
           <p:cNvSpPr txBox="1">
-            <a:spLocks noChangeArrowheads="1"/>
+            <a:spLocks noGrp="1" noChangeArrowheads="1"/>
           </p:cNvSpPr>
           <p:nvPr>
             <p:ph type="body" idx="1"/>
@@ -4312,6 +4492,11 @@
         </p:txBody>
       </p:sp>
     </p:spTree>
+    <p:extLst>
+      <p:ext uri="{BB962C8B-B14F-4D97-AF65-F5344CB8AC3E}">
+        <p14:creationId xmlns:p14="http://schemas.microsoft.com/office/powerpoint/2010/main" val="11297416"/>
+      </p:ext>
+    </p:extLst>
   </p:cSld>
   <p:clrMapOvr>
     <a:masterClrMapping/>
@@ -7073,14 +7258,14 @@
           <a:effectLst/>
           <a:extLst>
             <a:ext uri="{909E8E84-426E-40DD-AFC4-6F175D3DCCD1}">
-              <a14:hiddenFill xmlns:a14="http://schemas.microsoft.com/office/drawing/2010/main" xmlns="">
+              <a14:hiddenFill xmlns:a14="http://schemas.microsoft.com/office/drawing/2010/main">
                 <a:solidFill>
                   <a:srgbClr val="FFFFFF"/>
                 </a:solidFill>
               </a14:hiddenFill>
             </a:ext>
             <a:ext uri="{91240B29-F687-4F45-9708-019B960494DF}">
-              <a14:hiddenLine xmlns:a14="http://schemas.microsoft.com/office/drawing/2010/main" xmlns="" w="9525">
+              <a14:hiddenLine xmlns:a14="http://schemas.microsoft.com/office/drawing/2010/main" w="9525">
                 <a:solidFill>
                   <a:srgbClr val="000000"/>
                 </a:solidFill>
@@ -7090,7 +7275,7 @@
               </a14:hiddenLine>
             </a:ext>
             <a:ext uri="{AF507438-7753-43E0-B8FC-AC1667EBCBE1}">
-              <a14:hiddenEffects xmlns:a14="http://schemas.microsoft.com/office/drawing/2010/main" xmlns="">
+              <a14:hiddenEffects xmlns:a14="http://schemas.microsoft.com/office/drawing/2010/main">
                 <a:effectLst>
                   <a:outerShdw dist="35921" dir="2700000" algn="ctr" rotWithShape="0">
                     <a:schemeClr val="bg2"/>
@@ -7164,14 +7349,14 @@
           <a:effectLst/>
           <a:extLst>
             <a:ext uri="{909E8E84-426E-40DD-AFC4-6F175D3DCCD1}">
-              <a14:hiddenFill xmlns:a14="http://schemas.microsoft.com/office/drawing/2010/main" xmlns="">
+              <a14:hiddenFill xmlns:a14="http://schemas.microsoft.com/office/drawing/2010/main">
                 <a:solidFill>
                   <a:srgbClr val="FFFFFF"/>
                 </a:solidFill>
               </a14:hiddenFill>
             </a:ext>
             <a:ext uri="{91240B29-F687-4F45-9708-019B960494DF}">
-              <a14:hiddenLine xmlns:a14="http://schemas.microsoft.com/office/drawing/2010/main" xmlns="" w="9525">
+              <a14:hiddenLine xmlns:a14="http://schemas.microsoft.com/office/drawing/2010/main" w="9525">
                 <a:solidFill>
                   <a:srgbClr val="000000"/>
                 </a:solidFill>
@@ -7181,7 +7366,7 @@
               </a14:hiddenLine>
             </a:ext>
             <a:ext uri="{AF507438-7753-43E0-B8FC-AC1667EBCBE1}">
-              <a14:hiddenEffects xmlns:a14="http://schemas.microsoft.com/office/drawing/2010/main" xmlns="">
+              <a14:hiddenEffects xmlns:a14="http://schemas.microsoft.com/office/drawing/2010/main">
                 <a:effectLst>
                   <a:outerShdw dist="35921" dir="2700000" algn="ctr" rotWithShape="0">
                     <a:schemeClr val="bg2"/>
@@ -7256,14 +7441,14 @@
           <a:effectLst/>
           <a:extLst>
             <a:ext uri="{909E8E84-426E-40DD-AFC4-6F175D3DCCD1}">
-              <a14:hiddenFill xmlns:a14="http://schemas.microsoft.com/office/drawing/2010/main" xmlns="">
+              <a14:hiddenFill xmlns:a14="http://schemas.microsoft.com/office/drawing/2010/main">
                 <a:solidFill>
                   <a:srgbClr val="FFFFFF"/>
                 </a:solidFill>
               </a14:hiddenFill>
             </a:ext>
             <a:ext uri="{91240B29-F687-4F45-9708-019B960494DF}">
-              <a14:hiddenLine xmlns:a14="http://schemas.microsoft.com/office/drawing/2010/main" xmlns="" w="9525">
+              <a14:hiddenLine xmlns:a14="http://schemas.microsoft.com/office/drawing/2010/main" w="9525">
                 <a:solidFill>
                   <a:srgbClr val="000000"/>
                 </a:solidFill>
@@ -7273,7 +7458,7 @@
               </a14:hiddenLine>
             </a:ext>
             <a:ext uri="{AF507438-7753-43E0-B8FC-AC1667EBCBE1}">
-              <a14:hiddenEffects xmlns:a14="http://schemas.microsoft.com/office/drawing/2010/main" xmlns="">
+              <a14:hiddenEffects xmlns:a14="http://schemas.microsoft.com/office/drawing/2010/main">
                 <a:effectLst>
                   <a:outerShdw dist="35921" dir="2700000" algn="ctr" rotWithShape="0">
                     <a:schemeClr val="bg2"/>
@@ -8124,7 +8309,7 @@
   <p:timing>
     <p:tnLst>
       <p:par>
-        <p:cTn id="1" dur="indefinite" nodeType="tmRoot">
+        <p:cTn id="1" dur="indefinite" restart="never" nodeType="tmRoot">
           <p:childTnLst>
             <p:seq concurrent="1" nextAc="seek">
               <p:cTn id="2" dur="0" nodeType="mainSeq"/>
@@ -8686,7 +8871,7 @@
   <p:timing>
     <p:tnLst>
       <p:par>
-        <p:cTn id="1" dur="indefinite" nodeType="tmRoot">
+        <p:cTn id="1" dur="indefinite" restart="never" nodeType="tmRoot">
           <p:childTnLst>
             <p:seq concurrent="1" nextAc="seek">
               <p:cTn id="2" dur="0" nodeType="mainSeq"/>
@@ -9029,7 +9214,7 @@
   <p:timing>
     <p:tnLst>
       <p:par>
-        <p:cTn id="1" dur="indefinite" nodeType="tmRoot">
+        <p:cTn id="1" dur="indefinite" restart="never" nodeType="tmRoot">
           <p:childTnLst>
             <p:seq concurrent="1" nextAc="seek">
               <p:cTn id="2" dur="0" nodeType="mainSeq"/>
@@ -9455,7 +9640,7 @@
   <p:timing>
     <p:tnLst>
       <p:par>
-        <p:cTn id="1" dur="indefinite" nodeType="tmRoot">
+        <p:cTn id="1" dur="indefinite" restart="never" nodeType="tmRoot">
           <p:childTnLst>
             <p:seq concurrent="1" nextAc="seek">
               <p:cTn id="2" dur="0" nodeType="mainSeq"/>
@@ -9803,7 +9988,7 @@
   <p:timing>
     <p:tnLst>
       <p:par>
-        <p:cTn id="1" dur="indefinite" nodeType="tmRoot">
+        <p:cTn id="1" dur="indefinite" restart="never" nodeType="tmRoot">
           <p:childTnLst>
             <p:seq concurrent="1" nextAc="seek">
               <p:cTn id="2" dur="0" nodeType="mainSeq"/>
@@ -10186,7 +10371,7 @@
   <p:timing>
     <p:tnLst>
       <p:par>
-        <p:cTn id="1" dur="indefinite" nodeType="tmRoot">
+        <p:cTn id="1" dur="indefinite" restart="never" nodeType="tmRoot">
           <p:childTnLst>
             <p:seq concurrent="1" nextAc="seek">
               <p:cTn id="2" dur="0" nodeType="mainSeq"/>
@@ -10648,7 +10833,7 @@
   <p:timing>
     <p:tnLst>
       <p:par>
-        <p:cTn id="1" dur="indefinite" nodeType="tmRoot">
+        <p:cTn id="1" dur="indefinite" restart="never" nodeType="tmRoot">
           <p:childTnLst>
             <p:seq concurrent="1" nextAc="seek">
               <p:cTn id="2" dur="0" nodeType="mainSeq"/>
@@ -11303,7 +11488,7 @@
   <p:timing>
     <p:tnLst>
       <p:par>
-        <p:cTn id="1" dur="indefinite" nodeType="tmRoot">
+        <p:cTn id="1" dur="indefinite" restart="never" nodeType="tmRoot">
           <p:childTnLst>
             <p:seq concurrent="1" nextAc="seek">
               <p:cTn id="2" dur="0" nodeType="mainSeq"/>
@@ -11765,7 +11950,7 @@
   <p:timing>
     <p:tnLst>
       <p:par>
-        <p:cTn id="1" dur="indefinite" nodeType="tmRoot">
+        <p:cTn id="1" dur="indefinite" restart="never" nodeType="tmRoot">
           <p:childTnLst>
             <p:seq concurrent="1" nextAc="seek">
               <p:cTn id="2" dur="0" nodeType="mainSeq"/>
@@ -12230,7 +12415,7 @@
   <p:timing>
     <p:tnLst>
       <p:par>
-        <p:cTn id="1" dur="indefinite" nodeType="tmRoot">
+        <p:cTn id="1" dur="indefinite" restart="never" nodeType="tmRoot">
           <p:childTnLst>
             <p:seq concurrent="1" nextAc="seek">
               <p:cTn id="2" dur="0" nodeType="mainSeq"/>
@@ -12627,7 +12812,7 @@
   <p:timing>
     <p:tnLst>
       <p:par>
-        <p:cTn id="1" dur="indefinite" nodeType="tmRoot">
+        <p:cTn id="1" dur="indefinite" restart="never" nodeType="tmRoot">
           <p:childTnLst>
             <p:seq concurrent="1" nextAc="seek">
               <p:cTn id="2" dur="0" nodeType="mainSeq"/>
@@ -12929,7 +13114,7 @@
   <p:timing>
     <p:tnLst>
       <p:par>
-        <p:cTn id="1" dur="indefinite" nodeType="tmRoot">
+        <p:cTn id="1" dur="indefinite" restart="never" nodeType="tmRoot">
           <p:childTnLst>
             <p:seq concurrent="1" nextAc="seek">
               <p:cTn id="2" dur="0" nodeType="mainSeq"/>
@@ -13469,7 +13654,7 @@
   <p:timing>
     <p:tnLst>
       <p:par>
-        <p:cTn id="1" dur="indefinite" nodeType="tmRoot">
+        <p:cTn id="1" dur="indefinite" restart="never" nodeType="tmRoot">
           <p:childTnLst>
             <p:seq concurrent="1" nextAc="seek">
               <p:cTn id="2" dur="0" nodeType="mainSeq"/>
@@ -13938,7 +14123,7 @@
   <p:timing>
     <p:tnLst>
       <p:par>
-        <p:cTn id="1" dur="indefinite" nodeType="tmRoot">
+        <p:cTn id="1" dur="indefinite" restart="never" nodeType="tmRoot">
           <p:childTnLst>
             <p:seq concurrent="1" nextAc="seek">
               <p:cTn id="2" dur="0" nodeType="mainSeq"/>
@@ -14358,7 +14543,7 @@
   <p:timing>
     <p:tnLst>
       <p:par>
-        <p:cTn id="1" dur="indefinite" nodeType="tmRoot">
+        <p:cTn id="1" dur="indefinite" restart="never" nodeType="tmRoot">
           <p:childTnLst>
             <p:seq concurrent="1" nextAc="seek">
               <p:cTn id="2" dur="0" nodeType="mainSeq"/>
@@ -14935,7 +15120,7 @@
   <p:timing>
     <p:tnLst>
       <p:par>
-        <p:cTn id="1" dur="indefinite" nodeType="tmRoot">
+        <p:cTn id="1" dur="indefinite" restart="never" nodeType="tmRoot">
           <p:childTnLst>
             <p:seq concurrent="1" nextAc="seek">
               <p:cTn id="2" dur="0" nodeType="mainSeq"/>
@@ -15278,7 +15463,7 @@
   <p:timing>
     <p:tnLst>
       <p:par>
-        <p:cTn id="1" dur="indefinite" nodeType="tmRoot">
+        <p:cTn id="1" dur="indefinite" restart="never" nodeType="tmRoot">
           <p:childTnLst>
             <p:seq concurrent="1" nextAc="seek">
               <p:cTn id="2" dur="0" nodeType="mainSeq"/>
@@ -15747,7 +15932,7 @@
   <p:timing>
     <p:tnLst>
       <p:par>
-        <p:cTn id="1" dur="indefinite" nodeType="tmRoot">
+        <p:cTn id="1" dur="indefinite" restart="never" nodeType="tmRoot">
           <p:childTnLst>
             <p:seq concurrent="1" nextAc="seek">
               <p:cTn id="2" dur="0" nodeType="mainSeq"/>
@@ -16090,7 +16275,7 @@
   <p:timing>
     <p:tnLst>
       <p:par>
-        <p:cTn id="1" dur="indefinite" nodeType="tmRoot">
+        <p:cTn id="1" dur="indefinite" restart="never" nodeType="tmRoot">
           <p:childTnLst>
             <p:seq concurrent="1" nextAc="seek">
               <p:cTn id="2" dur="0" nodeType="mainSeq"/>
@@ -16747,7 +16932,7 @@
   <p:timing>
     <p:tnLst>
       <p:par>
-        <p:cTn id="1" dur="indefinite" nodeType="tmRoot">
+        <p:cTn id="1" dur="indefinite" restart="never" nodeType="tmRoot">
           <p:childTnLst>
             <p:seq concurrent="1" nextAc="seek">
               <p:cTn id="2" dur="0" nodeType="mainSeq"/>
@@ -17122,7 +17307,7 @@
   <p:timing>
     <p:tnLst>
       <p:par>
-        <p:cTn id="1" dur="indefinite" nodeType="tmRoot">
+        <p:cTn id="1" dur="indefinite" restart="never" nodeType="tmRoot">
           <p:childTnLst>
             <p:seq concurrent="1" nextAc="seek">
               <p:cTn id="2" dur="0" nodeType="mainSeq"/>
@@ -17515,7 +17700,7 @@
   <p:timing>
     <p:tnLst>
       <p:par>
-        <p:cTn id="1" dur="indefinite" nodeType="tmRoot">
+        <p:cTn id="1" dur="indefinite" restart="never" nodeType="tmRoot">
           <p:childTnLst>
             <p:seq concurrent="1" nextAc="seek">
               <p:cTn id="2" dur="0" nodeType="mainSeq"/>
@@ -18085,7 +18270,7 @@
   <p:timing>
     <p:tnLst>
       <p:par>
-        <p:cTn id="1" dur="indefinite" nodeType="tmRoot">
+        <p:cTn id="1" dur="indefinite" restart="never" nodeType="tmRoot">
           <p:childTnLst>
             <p:seq concurrent="1" nextAc="seek">
               <p:cTn id="2" dur="0" nodeType="mainSeq"/>
@@ -18478,7 +18663,7 @@
   <p:timing>
     <p:tnLst>
       <p:par>
-        <p:cTn id="1" dur="indefinite" nodeType="tmRoot">
+        <p:cTn id="1" dur="indefinite" restart="never" nodeType="tmRoot">
           <p:childTnLst>
             <p:seq concurrent="1" nextAc="seek">
               <p:cTn id="2" dur="0" nodeType="mainSeq"/>
@@ -18896,7 +19081,7 @@
   <p:timing>
     <p:tnLst>
       <p:par>
-        <p:cTn id="1" dur="indefinite" nodeType="tmRoot">
+        <p:cTn id="1" dur="indefinite" restart="never" nodeType="tmRoot">
           <p:childTnLst>
             <p:seq concurrent="1" nextAc="seek">
               <p:cTn id="2" dur="0" nodeType="mainSeq"/>
@@ -19336,7 +19521,7 @@
   <p:timing>
     <p:tnLst>
       <p:par>
-        <p:cTn id="1" dur="indefinite" nodeType="tmRoot">
+        <p:cTn id="1" dur="indefinite" restart="never" nodeType="tmRoot">
           <p:childTnLst>
             <p:seq concurrent="1" nextAc="seek">
               <p:cTn id="2" dur="0" nodeType="mainSeq"/>
@@ -19740,7 +19925,7 @@
   <p:timing>
     <p:tnLst>
       <p:par>
-        <p:cTn id="1" dur="indefinite" nodeType="tmRoot">
+        <p:cTn id="1" dur="indefinite" restart="never" nodeType="tmRoot">
           <p:childTnLst>
             <p:seq concurrent="1" nextAc="seek">
               <p:cTn id="2" dur="0" nodeType="mainSeq"/>
@@ -20172,7 +20357,7 @@
   <p:timing>
     <p:tnLst>
       <p:par>
-        <p:cTn id="1" dur="indefinite" nodeType="tmRoot">
+        <p:cTn id="1" dur="indefinite" restart="never" nodeType="tmRoot">
           <p:childTnLst>
             <p:seq concurrent="1" nextAc="seek">
               <p:cTn id="2" dur="0" nodeType="mainSeq"/>
@@ -20609,7 +20794,7 @@
   <p:timing>
     <p:tnLst>
       <p:par>
-        <p:cTn id="1" dur="indefinite" nodeType="tmRoot">
+        <p:cTn id="1" dur="indefinite" restart="never" nodeType="tmRoot">
           <p:childTnLst>
             <p:seq concurrent="1" nextAc="seek">
               <p:cTn id="2" dur="0" nodeType="mainSeq"/>
@@ -21051,7 +21236,7 @@
   <p:timing>
     <p:tnLst>
       <p:par>
-        <p:cTn id="1" dur="indefinite" nodeType="tmRoot">
+        <p:cTn id="1" dur="indefinite" restart="never" nodeType="tmRoot">
           <p:childTnLst>
             <p:seq concurrent="1" nextAc="seek">
               <p:cTn id="2" dur="0" nodeType="mainSeq"/>
@@ -21081,7 +21266,7 @@
 <file path=ppt/theme/theme1.xml><?xml version="1.0" encoding="utf-8"?>
 <a:theme xmlns:a="http://schemas.openxmlformats.org/drawingml/2006/main" name="Office Theme">
   <a:themeElements>
-    <a:clrScheme name="Office Theme 1">
+    <a:clrScheme name="Benutzerdefiniert 1">
       <a:dk1>
         <a:srgbClr val="000000"/>
       </a:dk1>
@@ -21113,10 +21298,10 @@
         <a:srgbClr val="2D2DB9"/>
       </a:accent6>
       <a:hlink>
-        <a:srgbClr val="CCCCFF"/>
+        <a:srgbClr val="2D2DB9"/>
       </a:hlink>
       <a:folHlink>
-        <a:srgbClr val="B2B2B2"/>
+        <a:srgbClr val="2D2DB9"/>
       </a:folHlink>
     </a:clrScheme>
     <a:fontScheme name="Office Theme">
@@ -21299,7 +21484,7 @@
         <a:effectLst/>
         <a:extLst>
           <a:ext uri="{AF507438-7753-43E0-B8FC-AC1667EBCBE1}">
-            <a14:hiddenEffects xmlns:a14="http://schemas.microsoft.com/office/drawing/2010/main" xmlns="">
+            <a14:hiddenEffects xmlns:a14="http://schemas.microsoft.com/office/drawing/2010/main">
               <a:effectLst>
                 <a:outerShdw dist="35921" dir="2700000" algn="ctr" rotWithShape="0">
                   <a:schemeClr val="bg2"/>
@@ -21372,7 +21557,7 @@
         <a:effectLst/>
         <a:extLst>
           <a:ext uri="{AF507438-7753-43E0-B8FC-AC1667EBCBE1}">
-            <a14:hiddenEffects xmlns:a14="http://schemas.microsoft.com/office/drawing/2010/main" xmlns="">
+            <a14:hiddenEffects xmlns:a14="http://schemas.microsoft.com/office/drawing/2010/main">
               <a:effectLst>
                 <a:outerShdw dist="35921" dir="2700000" algn="ctr" rotWithShape="0">
                   <a:schemeClr val="bg2"/>
@@ -21708,7 +21893,7 @@
   </a:extraClrSchemeLst>
   <a:extLst>
     <a:ext uri="{05A4C25C-085E-4340-85A3-A5531E510DB2}">
-      <thm15:themeFamily xmlns:thm15="http://schemas.microsoft.com/office/thememl/2012/main" xmlns="" name="Office Theme" id="{62F939B6-93AF-4DB8-9C6B-D6C7DFDC589F}" vid="{4A3C46E8-61CC-4603-A589-7422A47A8E4A}"/>
+      <thm15:themeFamily xmlns:thm15="http://schemas.microsoft.com/office/thememl/2012/main" name="Office Theme" id="{62F939B6-93AF-4DB8-9C6B-D6C7DFDC589F}" vid="{4A3C46E8-61CC-4603-A589-7422A47A8E4A}"/>
     </a:ext>
   </a:extLst>
 </a:theme>
@@ -21969,7 +22154,7 @@
   <a:extraClrSchemeLst/>
   <a:extLst>
     <a:ext uri="{05A4C25C-085E-4340-85A3-A5531E510DB2}">
-      <thm15:themeFamily xmlns:thm15="http://schemas.microsoft.com/office/thememl/2012/main" xmlns="" name="Office Theme" id="{62F939B6-93AF-4DB8-9C6B-D6C7DFDC589F}" vid="{4A3C46E8-61CC-4603-A589-7422A47A8E4A}"/>
+      <thm15:themeFamily xmlns:thm15="http://schemas.microsoft.com/office/thememl/2012/main" name="Office Theme" id="{62F939B6-93AF-4DB8-9C6B-D6C7DFDC589F}" vid="{4A3C46E8-61CC-4603-A589-7422A47A8E4A}"/>
     </a:ext>
   </a:extLst>
 </a:theme>

--- a/folien/Semester_04_Termin_03_Kapitel11.pptx
+++ b/folien/Semester_04_Termin_03_Kapitel11.pptx
@@ -168,7 +168,7 @@
   </p:defaultTextStyle>
   <p:extLst>
     <p:ext uri="{EFAFB233-063F-42B5-8137-9DF3F51BA10A}">
-      <p15:sldGuideLst xmlns:p15="http://schemas.microsoft.com/office/powerpoint/2012/main">
+      <p15:sldGuideLst xmlns:p15="http://schemas.microsoft.com/office/powerpoint/2012/main" xmlns="">
         <p15:guide id="1" orient="horz" pos="2160">
           <p15:clr>
             <a:srgbClr val="A4A3A4"/>
@@ -182,7 +182,7 @@
       </p15:sldGuideLst>
     </p:ext>
     <p:ext uri="{2D200454-40CA-4A62-9FC3-DE9A4176ACB9}">
-      <p15:notesGuideLst xmlns:p15="http://schemas.microsoft.com/office/powerpoint/2012/main">
+      <p15:notesGuideLst xmlns:p15="http://schemas.microsoft.com/office/powerpoint/2012/main" xmlns="">
         <p15:guide id="1" orient="horz" pos="2880">
           <p15:clr>
             <a:srgbClr val="A4A3A4"/>
@@ -277,14 +277,14 @@
           <a:effectLst/>
           <a:extLst>
             <a:ext uri="{909E8E84-426E-40DD-AFC4-6F175D3DCCD1}">
-              <a14:hiddenFill xmlns:a14="http://schemas.microsoft.com/office/drawing/2010/main">
+              <a14:hiddenFill xmlns:a14="http://schemas.microsoft.com/office/drawing/2010/main" xmlns="">
                 <a:solidFill>
                   <a:srgbClr val="FFFFFF"/>
                 </a:solidFill>
               </a14:hiddenFill>
             </a:ext>
             <a:ext uri="{91240B29-F687-4F45-9708-019B960494DF}">
-              <a14:hiddenLine xmlns:a14="http://schemas.microsoft.com/office/drawing/2010/main" w="9525">
+              <a14:hiddenLine xmlns:a14="http://schemas.microsoft.com/office/drawing/2010/main" xmlns="" w="9525">
                 <a:solidFill>
                   <a:srgbClr val="000000"/>
                 </a:solidFill>
@@ -294,7 +294,7 @@
               </a14:hiddenLine>
             </a:ext>
             <a:ext uri="{AF507438-7753-43E0-B8FC-AC1667EBCBE1}">
-              <a14:hiddenEffects xmlns:a14="http://schemas.microsoft.com/office/drawing/2010/main">
+              <a14:hiddenEffects xmlns:a14="http://schemas.microsoft.com/office/drawing/2010/main" xmlns="">
                 <a:effectLst>
                   <a:outerShdw dist="35921" dir="2700000" algn="ctr" rotWithShape="0">
                     <a:schemeClr val="bg2"/>
@@ -342,14 +342,14 @@
           <a:effectLst/>
           <a:extLst>
             <a:ext uri="{909E8E84-426E-40DD-AFC4-6F175D3DCCD1}">
-              <a14:hiddenFill xmlns:a14="http://schemas.microsoft.com/office/drawing/2010/main">
+              <a14:hiddenFill xmlns:a14="http://schemas.microsoft.com/office/drawing/2010/main" xmlns="">
                 <a:solidFill>
                   <a:srgbClr val="FFFFFF"/>
                 </a:solidFill>
               </a14:hiddenFill>
             </a:ext>
             <a:ext uri="{91240B29-F687-4F45-9708-019B960494DF}">
-              <a14:hiddenLine xmlns:a14="http://schemas.microsoft.com/office/drawing/2010/main" w="9525">
+              <a14:hiddenLine xmlns:a14="http://schemas.microsoft.com/office/drawing/2010/main" xmlns="" w="9525">
                 <a:solidFill>
                   <a:srgbClr val="000000"/>
                 </a:solidFill>
@@ -359,7 +359,7 @@
               </a14:hiddenLine>
             </a:ext>
             <a:ext uri="{AF507438-7753-43E0-B8FC-AC1667EBCBE1}">
-              <a14:hiddenEffects xmlns:a14="http://schemas.microsoft.com/office/drawing/2010/main">
+              <a14:hiddenEffects xmlns:a14="http://schemas.microsoft.com/office/drawing/2010/main" xmlns="">
                 <a:effectLst>
                   <a:outerShdw dist="35921" dir="2700000" algn="ctr" rotWithShape="0">
                     <a:schemeClr val="bg2"/>
@@ -434,14 +434,14 @@
           <a:effectLst/>
           <a:extLst>
             <a:ext uri="{909E8E84-426E-40DD-AFC4-6F175D3DCCD1}">
-              <a14:hiddenFill xmlns:a14="http://schemas.microsoft.com/office/drawing/2010/main">
+              <a14:hiddenFill xmlns:a14="http://schemas.microsoft.com/office/drawing/2010/main" xmlns="">
                 <a:solidFill>
                   <a:srgbClr val="FFFFFF"/>
                 </a:solidFill>
               </a14:hiddenFill>
             </a:ext>
             <a:ext uri="{91240B29-F687-4F45-9708-019B960494DF}">
-              <a14:hiddenLine xmlns:a14="http://schemas.microsoft.com/office/drawing/2010/main" w="9525">
+              <a14:hiddenLine xmlns:a14="http://schemas.microsoft.com/office/drawing/2010/main" xmlns="" w="9525">
                 <a:solidFill>
                   <a:srgbClr val="000000"/>
                 </a:solidFill>
@@ -451,7 +451,7 @@
               </a14:hiddenLine>
             </a:ext>
             <a:ext uri="{AF507438-7753-43E0-B8FC-AC1667EBCBE1}">
-              <a14:hiddenEffects xmlns:a14="http://schemas.microsoft.com/office/drawing/2010/main">
+              <a14:hiddenEffects xmlns:a14="http://schemas.microsoft.com/office/drawing/2010/main" xmlns="">
                 <a:effectLst>
                   <a:outerShdw dist="35921" dir="2700000" algn="ctr" rotWithShape="0">
                     <a:schemeClr val="bg2"/>
@@ -526,14 +526,14 @@
           <a:effectLst/>
           <a:extLst>
             <a:ext uri="{909E8E84-426E-40DD-AFC4-6F175D3DCCD1}">
-              <a14:hiddenFill xmlns:a14="http://schemas.microsoft.com/office/drawing/2010/main">
+              <a14:hiddenFill xmlns:a14="http://schemas.microsoft.com/office/drawing/2010/main" xmlns="">
                 <a:solidFill>
                   <a:srgbClr val="FFFFFF"/>
                 </a:solidFill>
               </a14:hiddenFill>
             </a:ext>
             <a:ext uri="{91240B29-F687-4F45-9708-019B960494DF}">
-              <a14:hiddenLine xmlns:a14="http://schemas.microsoft.com/office/drawing/2010/main" w="9525">
+              <a14:hiddenLine xmlns:a14="http://schemas.microsoft.com/office/drawing/2010/main" xmlns="" w="9525">
                 <a:solidFill>
                   <a:srgbClr val="000000"/>
                 </a:solidFill>
@@ -543,7 +543,7 @@
               </a14:hiddenLine>
             </a:ext>
             <a:ext uri="{AF507438-7753-43E0-B8FC-AC1667EBCBE1}">
-              <a14:hiddenEffects xmlns:a14="http://schemas.microsoft.com/office/drawing/2010/main">
+              <a14:hiddenEffects xmlns:a14="http://schemas.microsoft.com/office/drawing/2010/main" xmlns="">
                 <a:effectLst>
                   <a:outerShdw dist="35921" dir="2700000" algn="ctr" rotWithShape="0">
                     <a:schemeClr val="bg2"/>
@@ -618,14 +618,14 @@
           <a:effectLst/>
           <a:extLst>
             <a:ext uri="{909E8E84-426E-40DD-AFC4-6F175D3DCCD1}">
-              <a14:hiddenFill xmlns:a14="http://schemas.microsoft.com/office/drawing/2010/main">
+              <a14:hiddenFill xmlns:a14="http://schemas.microsoft.com/office/drawing/2010/main" xmlns="">
                 <a:solidFill>
                   <a:srgbClr val="FFFFFF"/>
                 </a:solidFill>
               </a14:hiddenFill>
             </a:ext>
             <a:ext uri="{91240B29-F687-4F45-9708-019B960494DF}">
-              <a14:hiddenLine xmlns:a14="http://schemas.microsoft.com/office/drawing/2010/main" w="9525">
+              <a14:hiddenLine xmlns:a14="http://schemas.microsoft.com/office/drawing/2010/main" xmlns="" w="9525">
                 <a:solidFill>
                   <a:srgbClr val="000000"/>
                 </a:solidFill>
@@ -635,7 +635,7 @@
               </a14:hiddenLine>
             </a:ext>
             <a:ext uri="{AF507438-7753-43E0-B8FC-AC1667EBCBE1}">
-              <a14:hiddenEffects xmlns:a14="http://schemas.microsoft.com/office/drawing/2010/main">
+              <a14:hiddenEffects xmlns:a14="http://schemas.microsoft.com/office/drawing/2010/main" xmlns="">
                 <a:effectLst>
                   <a:outerShdw dist="35921" dir="2700000" algn="ctr" rotWithShape="0">
                     <a:schemeClr val="bg2"/>
@@ -689,7 +689,7 @@
     </p:spTree>
     <p:extLst>
       <p:ext uri="{BB962C8B-B14F-4D97-AF65-F5344CB8AC3E}">
-        <p14:creationId xmlns:p14="http://schemas.microsoft.com/office/powerpoint/2010/main" val="2873851998"/>
+        <p14:creationId xmlns:p14="http://schemas.microsoft.com/office/powerpoint/2010/main" xmlns="" val="2873851998"/>
       </p:ext>
     </p:extLst>
   </p:cSld>
@@ -956,7 +956,7 @@
     </p:spTree>
     <p:extLst>
       <p:ext uri="{BB962C8B-B14F-4D97-AF65-F5344CB8AC3E}">
-        <p14:creationId xmlns:p14="http://schemas.microsoft.com/office/powerpoint/2010/main" val="2593509893"/>
+        <p14:creationId xmlns:p14="http://schemas.microsoft.com/office/powerpoint/2010/main" xmlns="" val="2593509893"/>
       </p:ext>
     </p:extLst>
   </p:cSld>
@@ -1078,7 +1078,7 @@
     </p:spTree>
     <p:extLst>
       <p:ext uri="{BB962C8B-B14F-4D97-AF65-F5344CB8AC3E}">
-        <p14:creationId xmlns:p14="http://schemas.microsoft.com/office/powerpoint/2010/main" val="3763733683"/>
+        <p14:creationId xmlns:p14="http://schemas.microsoft.com/office/powerpoint/2010/main" xmlns="" val="3763733683"/>
       </p:ext>
     </p:extLst>
   </p:cSld>
@@ -1200,7 +1200,7 @@
     </p:spTree>
     <p:extLst>
       <p:ext uri="{BB962C8B-B14F-4D97-AF65-F5344CB8AC3E}">
-        <p14:creationId xmlns:p14="http://schemas.microsoft.com/office/powerpoint/2010/main" val="1625976133"/>
+        <p14:creationId xmlns:p14="http://schemas.microsoft.com/office/powerpoint/2010/main" xmlns="" val="1625976133"/>
       </p:ext>
     </p:extLst>
   </p:cSld>
@@ -1322,7 +1322,7 @@
     </p:spTree>
     <p:extLst>
       <p:ext uri="{BB962C8B-B14F-4D97-AF65-F5344CB8AC3E}">
-        <p14:creationId xmlns:p14="http://schemas.microsoft.com/office/powerpoint/2010/main" val="2931507362"/>
+        <p14:creationId xmlns:p14="http://schemas.microsoft.com/office/powerpoint/2010/main" xmlns="" val="2931507362"/>
       </p:ext>
     </p:extLst>
   </p:cSld>
@@ -1444,7 +1444,7 @@
     </p:spTree>
     <p:extLst>
       <p:ext uri="{BB962C8B-B14F-4D97-AF65-F5344CB8AC3E}">
-        <p14:creationId xmlns:p14="http://schemas.microsoft.com/office/powerpoint/2010/main" val="753189896"/>
+        <p14:creationId xmlns:p14="http://schemas.microsoft.com/office/powerpoint/2010/main" xmlns="" val="753189896"/>
       </p:ext>
     </p:extLst>
   </p:cSld>
@@ -1566,7 +1566,7 @@
     </p:spTree>
     <p:extLst>
       <p:ext uri="{BB962C8B-B14F-4D97-AF65-F5344CB8AC3E}">
-        <p14:creationId xmlns:p14="http://schemas.microsoft.com/office/powerpoint/2010/main" val="2702142423"/>
+        <p14:creationId xmlns:p14="http://schemas.microsoft.com/office/powerpoint/2010/main" xmlns="" val="2702142423"/>
       </p:ext>
     </p:extLst>
   </p:cSld>
@@ -1688,7 +1688,7 @@
     </p:spTree>
     <p:extLst>
       <p:ext uri="{BB962C8B-B14F-4D97-AF65-F5344CB8AC3E}">
-        <p14:creationId xmlns:p14="http://schemas.microsoft.com/office/powerpoint/2010/main" val="3054622383"/>
+        <p14:creationId xmlns:p14="http://schemas.microsoft.com/office/powerpoint/2010/main" xmlns="" val="3054622383"/>
       </p:ext>
     </p:extLst>
   </p:cSld>
@@ -1810,7 +1810,7 @@
     </p:spTree>
     <p:extLst>
       <p:ext uri="{BB962C8B-B14F-4D97-AF65-F5344CB8AC3E}">
-        <p14:creationId xmlns:p14="http://schemas.microsoft.com/office/powerpoint/2010/main" val="3722194418"/>
+        <p14:creationId xmlns:p14="http://schemas.microsoft.com/office/powerpoint/2010/main" xmlns="" val="3722194418"/>
       </p:ext>
     </p:extLst>
   </p:cSld>
@@ -1932,7 +1932,7 @@
     </p:spTree>
     <p:extLst>
       <p:ext uri="{BB962C8B-B14F-4D97-AF65-F5344CB8AC3E}">
-        <p14:creationId xmlns:p14="http://schemas.microsoft.com/office/powerpoint/2010/main" val="2251518030"/>
+        <p14:creationId xmlns:p14="http://schemas.microsoft.com/office/powerpoint/2010/main" xmlns="" val="2251518030"/>
       </p:ext>
     </p:extLst>
   </p:cSld>
@@ -2054,7 +2054,7 @@
     </p:spTree>
     <p:extLst>
       <p:ext uri="{BB962C8B-B14F-4D97-AF65-F5344CB8AC3E}">
-        <p14:creationId xmlns:p14="http://schemas.microsoft.com/office/powerpoint/2010/main" val="377448656"/>
+        <p14:creationId xmlns:p14="http://schemas.microsoft.com/office/powerpoint/2010/main" xmlns="" val="377448656"/>
       </p:ext>
     </p:extLst>
   </p:cSld>
@@ -2176,7 +2176,7 @@
     </p:spTree>
     <p:extLst>
       <p:ext uri="{BB962C8B-B14F-4D97-AF65-F5344CB8AC3E}">
-        <p14:creationId xmlns:p14="http://schemas.microsoft.com/office/powerpoint/2010/main" val="4078867436"/>
+        <p14:creationId xmlns:p14="http://schemas.microsoft.com/office/powerpoint/2010/main" xmlns="" val="4078867436"/>
       </p:ext>
     </p:extLst>
   </p:cSld>
@@ -2298,7 +2298,7 @@
     </p:spTree>
     <p:extLst>
       <p:ext uri="{BB962C8B-B14F-4D97-AF65-F5344CB8AC3E}">
-        <p14:creationId xmlns:p14="http://schemas.microsoft.com/office/powerpoint/2010/main" val="1952337194"/>
+        <p14:creationId xmlns:p14="http://schemas.microsoft.com/office/powerpoint/2010/main" xmlns="" val="1952337194"/>
       </p:ext>
     </p:extLst>
   </p:cSld>
@@ -2420,7 +2420,7 @@
     </p:spTree>
     <p:extLst>
       <p:ext uri="{BB962C8B-B14F-4D97-AF65-F5344CB8AC3E}">
-        <p14:creationId xmlns:p14="http://schemas.microsoft.com/office/powerpoint/2010/main" val="2812393089"/>
+        <p14:creationId xmlns:p14="http://schemas.microsoft.com/office/powerpoint/2010/main" xmlns="" val="2812393089"/>
       </p:ext>
     </p:extLst>
   </p:cSld>
@@ -2542,7 +2542,7 @@
     </p:spTree>
     <p:extLst>
       <p:ext uri="{BB962C8B-B14F-4D97-AF65-F5344CB8AC3E}">
-        <p14:creationId xmlns:p14="http://schemas.microsoft.com/office/powerpoint/2010/main" val="4212216332"/>
+        <p14:creationId xmlns:p14="http://schemas.microsoft.com/office/powerpoint/2010/main" xmlns="" val="4212216332"/>
       </p:ext>
     </p:extLst>
   </p:cSld>
@@ -2664,7 +2664,7 @@
     </p:spTree>
     <p:extLst>
       <p:ext uri="{BB962C8B-B14F-4D97-AF65-F5344CB8AC3E}">
-        <p14:creationId xmlns:p14="http://schemas.microsoft.com/office/powerpoint/2010/main" val="3781287987"/>
+        <p14:creationId xmlns:p14="http://schemas.microsoft.com/office/powerpoint/2010/main" xmlns="" val="3781287987"/>
       </p:ext>
     </p:extLst>
   </p:cSld>
@@ -2786,7 +2786,7 @@
     </p:spTree>
     <p:extLst>
       <p:ext uri="{BB962C8B-B14F-4D97-AF65-F5344CB8AC3E}">
-        <p14:creationId xmlns:p14="http://schemas.microsoft.com/office/powerpoint/2010/main" val="2232707671"/>
+        <p14:creationId xmlns:p14="http://schemas.microsoft.com/office/powerpoint/2010/main" xmlns="" val="2232707671"/>
       </p:ext>
     </p:extLst>
   </p:cSld>
@@ -2908,7 +2908,7 @@
     </p:spTree>
     <p:extLst>
       <p:ext uri="{BB962C8B-B14F-4D97-AF65-F5344CB8AC3E}">
-        <p14:creationId xmlns:p14="http://schemas.microsoft.com/office/powerpoint/2010/main" val="2663429066"/>
+        <p14:creationId xmlns:p14="http://schemas.microsoft.com/office/powerpoint/2010/main" xmlns="" val="2663429066"/>
       </p:ext>
     </p:extLst>
   </p:cSld>
@@ -3030,7 +3030,7 @@
     </p:spTree>
     <p:extLst>
       <p:ext uri="{BB962C8B-B14F-4D97-AF65-F5344CB8AC3E}">
-        <p14:creationId xmlns:p14="http://schemas.microsoft.com/office/powerpoint/2010/main" val="3344548134"/>
+        <p14:creationId xmlns:p14="http://schemas.microsoft.com/office/powerpoint/2010/main" xmlns="" val="3344548134"/>
       </p:ext>
     </p:extLst>
   </p:cSld>
@@ -3152,7 +3152,7 @@
     </p:spTree>
     <p:extLst>
       <p:ext uri="{BB962C8B-B14F-4D97-AF65-F5344CB8AC3E}">
-        <p14:creationId xmlns:p14="http://schemas.microsoft.com/office/powerpoint/2010/main" val="63315558"/>
+        <p14:creationId xmlns:p14="http://schemas.microsoft.com/office/powerpoint/2010/main" xmlns="" val="63315558"/>
       </p:ext>
     </p:extLst>
   </p:cSld>
@@ -3274,7 +3274,7 @@
     </p:spTree>
     <p:extLst>
       <p:ext uri="{BB962C8B-B14F-4D97-AF65-F5344CB8AC3E}">
-        <p14:creationId xmlns:p14="http://schemas.microsoft.com/office/powerpoint/2010/main" val="1901287707"/>
+        <p14:creationId xmlns:p14="http://schemas.microsoft.com/office/powerpoint/2010/main" xmlns="" val="1901287707"/>
       </p:ext>
     </p:extLst>
   </p:cSld>
@@ -3396,7 +3396,7 @@
     </p:spTree>
     <p:extLst>
       <p:ext uri="{BB962C8B-B14F-4D97-AF65-F5344CB8AC3E}">
-        <p14:creationId xmlns:p14="http://schemas.microsoft.com/office/powerpoint/2010/main" val="2228270576"/>
+        <p14:creationId xmlns:p14="http://schemas.microsoft.com/office/powerpoint/2010/main" xmlns="" val="2228270576"/>
       </p:ext>
     </p:extLst>
   </p:cSld>
@@ -3518,7 +3518,7 @@
     </p:spTree>
     <p:extLst>
       <p:ext uri="{BB962C8B-B14F-4D97-AF65-F5344CB8AC3E}">
-        <p14:creationId xmlns:p14="http://schemas.microsoft.com/office/powerpoint/2010/main" val="1710117802"/>
+        <p14:creationId xmlns:p14="http://schemas.microsoft.com/office/powerpoint/2010/main" xmlns="" val="1710117802"/>
       </p:ext>
     </p:extLst>
   </p:cSld>
@@ -3640,7 +3640,7 @@
     </p:spTree>
     <p:extLst>
       <p:ext uri="{BB962C8B-B14F-4D97-AF65-F5344CB8AC3E}">
-        <p14:creationId xmlns:p14="http://schemas.microsoft.com/office/powerpoint/2010/main" val="287221361"/>
+        <p14:creationId xmlns:p14="http://schemas.microsoft.com/office/powerpoint/2010/main" xmlns="" val="287221361"/>
       </p:ext>
     </p:extLst>
   </p:cSld>
@@ -3762,7 +3762,7 @@
     </p:spTree>
     <p:extLst>
       <p:ext uri="{BB962C8B-B14F-4D97-AF65-F5344CB8AC3E}">
-        <p14:creationId xmlns:p14="http://schemas.microsoft.com/office/powerpoint/2010/main" val="3183625174"/>
+        <p14:creationId xmlns:p14="http://schemas.microsoft.com/office/powerpoint/2010/main" xmlns="" val="3183625174"/>
       </p:ext>
     </p:extLst>
   </p:cSld>
@@ -3884,7 +3884,7 @@
     </p:spTree>
     <p:extLst>
       <p:ext uri="{BB962C8B-B14F-4D97-AF65-F5344CB8AC3E}">
-        <p14:creationId xmlns:p14="http://schemas.microsoft.com/office/powerpoint/2010/main" val="3106361462"/>
+        <p14:creationId xmlns:p14="http://schemas.microsoft.com/office/powerpoint/2010/main" xmlns="" val="3106361462"/>
       </p:ext>
     </p:extLst>
   </p:cSld>
@@ -4006,7 +4006,7 @@
     </p:spTree>
     <p:extLst>
       <p:ext uri="{BB962C8B-B14F-4D97-AF65-F5344CB8AC3E}">
-        <p14:creationId xmlns:p14="http://schemas.microsoft.com/office/powerpoint/2010/main" val="4107192011"/>
+        <p14:creationId xmlns:p14="http://schemas.microsoft.com/office/powerpoint/2010/main" xmlns="" val="4107192011"/>
       </p:ext>
     </p:extLst>
   </p:cSld>
@@ -4128,7 +4128,7 @@
     </p:spTree>
     <p:extLst>
       <p:ext uri="{BB962C8B-B14F-4D97-AF65-F5344CB8AC3E}">
-        <p14:creationId xmlns:p14="http://schemas.microsoft.com/office/powerpoint/2010/main" val="389053077"/>
+        <p14:creationId xmlns:p14="http://schemas.microsoft.com/office/powerpoint/2010/main" xmlns="" val="389053077"/>
       </p:ext>
     </p:extLst>
   </p:cSld>
@@ -4250,7 +4250,7 @@
     </p:spTree>
     <p:extLst>
       <p:ext uri="{BB962C8B-B14F-4D97-AF65-F5344CB8AC3E}">
-        <p14:creationId xmlns:p14="http://schemas.microsoft.com/office/powerpoint/2010/main" val="724434904"/>
+        <p14:creationId xmlns:p14="http://schemas.microsoft.com/office/powerpoint/2010/main" xmlns="" val="724434904"/>
       </p:ext>
     </p:extLst>
   </p:cSld>
@@ -4372,7 +4372,7 @@
     </p:spTree>
     <p:extLst>
       <p:ext uri="{BB962C8B-B14F-4D97-AF65-F5344CB8AC3E}">
-        <p14:creationId xmlns:p14="http://schemas.microsoft.com/office/powerpoint/2010/main" val="551085441"/>
+        <p14:creationId xmlns:p14="http://schemas.microsoft.com/office/powerpoint/2010/main" xmlns="" val="551085441"/>
       </p:ext>
     </p:extLst>
   </p:cSld>
@@ -4494,7 +4494,7 @@
     </p:spTree>
     <p:extLst>
       <p:ext uri="{BB962C8B-B14F-4D97-AF65-F5344CB8AC3E}">
-        <p14:creationId xmlns:p14="http://schemas.microsoft.com/office/powerpoint/2010/main" val="11297416"/>
+        <p14:creationId xmlns:p14="http://schemas.microsoft.com/office/powerpoint/2010/main" xmlns="" val="11297416"/>
       </p:ext>
     </p:extLst>
   </p:cSld>
@@ -7258,14 +7258,14 @@
           <a:effectLst/>
           <a:extLst>
             <a:ext uri="{909E8E84-426E-40DD-AFC4-6F175D3DCCD1}">
-              <a14:hiddenFill xmlns:a14="http://schemas.microsoft.com/office/drawing/2010/main">
+              <a14:hiddenFill xmlns:a14="http://schemas.microsoft.com/office/drawing/2010/main" xmlns="">
                 <a:solidFill>
                   <a:srgbClr val="FFFFFF"/>
                 </a:solidFill>
               </a14:hiddenFill>
             </a:ext>
             <a:ext uri="{91240B29-F687-4F45-9708-019B960494DF}">
-              <a14:hiddenLine xmlns:a14="http://schemas.microsoft.com/office/drawing/2010/main" w="9525">
+              <a14:hiddenLine xmlns:a14="http://schemas.microsoft.com/office/drawing/2010/main" xmlns="" w="9525">
                 <a:solidFill>
                   <a:srgbClr val="000000"/>
                 </a:solidFill>
@@ -7275,7 +7275,7 @@
               </a14:hiddenLine>
             </a:ext>
             <a:ext uri="{AF507438-7753-43E0-B8FC-AC1667EBCBE1}">
-              <a14:hiddenEffects xmlns:a14="http://schemas.microsoft.com/office/drawing/2010/main">
+              <a14:hiddenEffects xmlns:a14="http://schemas.microsoft.com/office/drawing/2010/main" xmlns="">
                 <a:effectLst>
                   <a:outerShdw dist="35921" dir="2700000" algn="ctr" rotWithShape="0">
                     <a:schemeClr val="bg2"/>
@@ -7349,14 +7349,14 @@
           <a:effectLst/>
           <a:extLst>
             <a:ext uri="{909E8E84-426E-40DD-AFC4-6F175D3DCCD1}">
-              <a14:hiddenFill xmlns:a14="http://schemas.microsoft.com/office/drawing/2010/main">
+              <a14:hiddenFill xmlns:a14="http://schemas.microsoft.com/office/drawing/2010/main" xmlns="">
                 <a:solidFill>
                   <a:srgbClr val="FFFFFF"/>
                 </a:solidFill>
               </a14:hiddenFill>
             </a:ext>
             <a:ext uri="{91240B29-F687-4F45-9708-019B960494DF}">
-              <a14:hiddenLine xmlns:a14="http://schemas.microsoft.com/office/drawing/2010/main" w="9525">
+              <a14:hiddenLine xmlns:a14="http://schemas.microsoft.com/office/drawing/2010/main" xmlns="" w="9525">
                 <a:solidFill>
                   <a:srgbClr val="000000"/>
                 </a:solidFill>
@@ -7366,7 +7366,7 @@
               </a14:hiddenLine>
             </a:ext>
             <a:ext uri="{AF507438-7753-43E0-B8FC-AC1667EBCBE1}">
-              <a14:hiddenEffects xmlns:a14="http://schemas.microsoft.com/office/drawing/2010/main">
+              <a14:hiddenEffects xmlns:a14="http://schemas.microsoft.com/office/drawing/2010/main" xmlns="">
                 <a:effectLst>
                   <a:outerShdw dist="35921" dir="2700000" algn="ctr" rotWithShape="0">
                     <a:schemeClr val="bg2"/>
@@ -7441,14 +7441,14 @@
           <a:effectLst/>
           <a:extLst>
             <a:ext uri="{909E8E84-426E-40DD-AFC4-6F175D3DCCD1}">
-              <a14:hiddenFill xmlns:a14="http://schemas.microsoft.com/office/drawing/2010/main">
+              <a14:hiddenFill xmlns:a14="http://schemas.microsoft.com/office/drawing/2010/main" xmlns="">
                 <a:solidFill>
                   <a:srgbClr val="FFFFFF"/>
                 </a:solidFill>
               </a14:hiddenFill>
             </a:ext>
             <a:ext uri="{91240B29-F687-4F45-9708-019B960494DF}">
-              <a14:hiddenLine xmlns:a14="http://schemas.microsoft.com/office/drawing/2010/main" w="9525">
+              <a14:hiddenLine xmlns:a14="http://schemas.microsoft.com/office/drawing/2010/main" xmlns="" w="9525">
                 <a:solidFill>
                   <a:srgbClr val="000000"/>
                 </a:solidFill>
@@ -7458,7 +7458,7 @@
               </a14:hiddenLine>
             </a:ext>
             <a:ext uri="{AF507438-7753-43E0-B8FC-AC1667EBCBE1}">
-              <a14:hiddenEffects xmlns:a14="http://schemas.microsoft.com/office/drawing/2010/main">
+              <a14:hiddenEffects xmlns:a14="http://schemas.microsoft.com/office/drawing/2010/main" xmlns="">
                 <a:effectLst>
                   <a:outerShdw dist="35921" dir="2700000" algn="ctr" rotWithShape="0">
                     <a:schemeClr val="bg2"/>
@@ -8132,7 +8132,7 @@
               </a:tabLst>
             </a:pPr>
             <a:r>
-              <a:rPr lang="de-DE" altLang="de-DE" smtClean="0"/>
+              <a:rPr lang="de-DE" altLang="de-DE" dirty="0" smtClean="0"/>
               <a:t> </a:t>
             </a:r>
           </a:p>
@@ -11686,13 +11686,26 @@
               </a:tabLst>
             </a:pPr>
             <a:r>
-              <a:rPr lang="de-DE" altLang="de-DE" sz="4000" smtClean="0">
+              <a:rPr lang="de-DE" altLang="de-DE" sz="4000" dirty="0" smtClean="0">
                 <a:solidFill>
                   <a:srgbClr val="FFFFFF"/>
                 </a:solidFill>
               </a:rPr>
-              <a:t>Übung 1: Exceptions</a:t>
-            </a:r>
+              <a:t>Übung 1: </a:t>
+            </a:r>
+            <a:r>
+              <a:rPr lang="de-DE" altLang="de-DE" sz="4000" dirty="0" err="1" smtClean="0">
+                <a:solidFill>
+                  <a:srgbClr val="FFFFFF"/>
+                </a:solidFill>
+              </a:rPr>
+              <a:t>Exceptions</a:t>
+            </a:r>
+            <a:endParaRPr lang="de-DE" altLang="de-DE" sz="4000" dirty="0" smtClean="0">
+              <a:solidFill>
+                <a:srgbClr val="FFFFFF"/>
+              </a:solidFill>
+            </a:endParaRPr>
           </a:p>
         </p:txBody>
       </p:sp>
@@ -11739,13 +11752,13 @@
               </a:tabLst>
             </a:pPr>
             <a:r>
-              <a:rPr lang="de-DE" altLang="de-DE" sz="2400" smtClean="0"/>
+              <a:rPr lang="de-DE" altLang="de-DE" sz="2400" dirty="0" smtClean="0"/>
               <a:t>Schreiben Sie ein Programm, welches vom Anwender die Eingabe einer ganzen Zahl fordert.</a:t>
             </a:r>
             <a:br>
-              <a:rPr lang="de-DE" altLang="de-DE" sz="2400" smtClean="0"/>
+              <a:rPr lang="de-DE" altLang="de-DE" sz="2400" dirty="0" smtClean="0"/>
             </a:br>
-            <a:endParaRPr lang="de-DE" altLang="de-DE" sz="2400" smtClean="0"/>
+            <a:endParaRPr lang="de-DE" altLang="de-DE" sz="2400" dirty="0" smtClean="0"/>
           </a:p>
           <a:p>
             <a:pPr marL="269875" indent="-269875" eaLnBrk="1">
@@ -11771,43 +11784,49 @@
               </a:tabLst>
             </a:pPr>
             <a:r>
-              <a:rPr lang="de-DE" altLang="de-DE" sz="2400" smtClean="0"/>
+              <a:rPr lang="de-DE" altLang="de-DE" sz="2400" dirty="0" smtClean="0"/>
               <a:t>Konvertieren Sie die Eingabe (welche als </a:t>
             </a:r>
             <a:r>
-              <a:rPr lang="de-DE" altLang="de-DE" sz="2400" smtClean="0">
+              <a:rPr lang="de-DE" altLang="de-DE" sz="2400" dirty="0" smtClean="0">
                 <a:latin typeface="Courier New" pitchFamily="49" charset="0"/>
               </a:rPr>
               <a:t>String</a:t>
             </a:r>
             <a:r>
-              <a:rPr lang="de-DE" altLang="de-DE" sz="2400" smtClean="0"/>
+              <a:rPr lang="de-DE" altLang="de-DE" sz="2400" dirty="0" smtClean="0"/>
               <a:t> geliefert wird) mit Hilfe von </a:t>
             </a:r>
             <a:r>
-              <a:rPr lang="de-DE" altLang="de-DE" sz="2400" smtClean="0">
+              <a:rPr lang="de-DE" altLang="de-DE" sz="2400" dirty="0" err="1" smtClean="0">
                 <a:latin typeface="Courier New" pitchFamily="49" charset="0"/>
               </a:rPr>
-              <a:t>Integer.parseInt(</a:t>
-            </a:r>
-            <a:r>
-              <a:rPr lang="de-DE" altLang="de-DE" sz="2400" smtClean="0"/>
+              <a:t>Integer.parseInt</a:t>
+            </a:r>
+            <a:r>
+              <a:rPr lang="de-DE" altLang="de-DE" sz="2400" dirty="0" smtClean="0">
+                <a:latin typeface="Courier New" pitchFamily="49" charset="0"/>
+              </a:rPr>
+              <a:t>(</a:t>
+            </a:r>
+            <a:r>
+              <a:rPr lang="de-DE" altLang="de-DE" sz="2400" dirty="0" smtClean="0"/>
               <a:t>...</a:t>
             </a:r>
             <a:r>
-              <a:rPr lang="de-DE" altLang="de-DE" sz="2400" smtClean="0">
+              <a:rPr lang="de-DE" altLang="de-DE" sz="2400" dirty="0" smtClean="0">
                 <a:latin typeface="Courier New" pitchFamily="49" charset="0"/>
               </a:rPr>
               <a:t>)</a:t>
             </a:r>
             <a:r>
-              <a:rPr lang="de-DE" altLang="de-DE" sz="2400" smtClean="0"/>
+              <a:rPr lang="de-DE" altLang="de-DE" sz="2400" dirty="0" smtClean="0"/>
               <a:t>.</a:t>
             </a:r>
             <a:br>
-              <a:rPr lang="de-DE" altLang="de-DE" sz="2400" smtClean="0"/>
+              <a:rPr lang="de-DE" altLang="de-DE" sz="2400" dirty="0" smtClean="0"/>
             </a:br>
-            <a:endParaRPr lang="de-DE" altLang="de-DE" sz="2400" smtClean="0"/>
+            <a:endParaRPr lang="de-DE" altLang="de-DE" sz="2400" dirty="0" smtClean="0"/>
           </a:p>
           <a:p>
             <a:pPr marL="269875" indent="-269875" eaLnBrk="1">
@@ -11833,33 +11852,33 @@
               </a:tabLst>
             </a:pPr>
             <a:r>
-              <a:rPr lang="de-DE" altLang="de-DE" sz="2400" smtClean="0"/>
+              <a:rPr lang="de-DE" altLang="de-DE" sz="2400" dirty="0" smtClean="0"/>
               <a:t>Beachten Sie dabei, dass eine </a:t>
             </a:r>
             <a:r>
-              <a:rPr lang="de-DE" altLang="de-DE" sz="2400" smtClean="0">
+              <a:rPr lang="de-DE" altLang="de-DE" sz="2400" dirty="0" err="1" smtClean="0">
                 <a:latin typeface="Courier New" pitchFamily="49" charset="0"/>
               </a:rPr>
               <a:t>NumberFormatException</a:t>
             </a:r>
             <a:r>
-              <a:rPr lang="de-DE" altLang="de-DE" sz="2400" smtClean="0"/>
+              <a:rPr lang="de-DE" altLang="de-DE" sz="2400" dirty="0" smtClean="0"/>
               <a:t> geworfen werden kann, wenn die Eingabe nicht in ein </a:t>
             </a:r>
             <a:r>
-              <a:rPr lang="de-DE" altLang="de-DE" sz="2400" smtClean="0">
+              <a:rPr lang="de-DE" altLang="de-DE" sz="2400" dirty="0" err="1" smtClean="0">
                 <a:latin typeface="Courier New" pitchFamily="49" charset="0"/>
               </a:rPr>
               <a:t>int</a:t>
             </a:r>
             <a:r>
-              <a:rPr lang="de-DE" altLang="de-DE" sz="2400" smtClean="0"/>
+              <a:rPr lang="de-DE" altLang="de-DE" sz="2400" dirty="0" smtClean="0"/>
               <a:t> umgewandelt werden kann.</a:t>
             </a:r>
             <a:br>
-              <a:rPr lang="de-DE" altLang="de-DE" sz="2400" smtClean="0"/>
+              <a:rPr lang="de-DE" altLang="de-DE" sz="2400" dirty="0" smtClean="0"/>
             </a:br>
-            <a:endParaRPr lang="de-DE" altLang="de-DE" sz="2400" smtClean="0"/>
+            <a:endParaRPr lang="de-DE" altLang="de-DE" sz="2400" dirty="0" smtClean="0"/>
           </a:p>
           <a:p>
             <a:pPr marL="269875" indent="-269875" eaLnBrk="1">
@@ -11885,9 +11904,73 @@
               </a:tabLst>
             </a:pPr>
             <a:r>
-              <a:rPr lang="de-DE" altLang="de-DE" sz="2400" smtClean="0"/>
-              <a:t>Geben Sie dann entweder eine Fehlermeldung oder das Quadrat der Zahl aus.</a:t>
-            </a:r>
+              <a:rPr lang="de-DE" altLang="de-DE" sz="2400" dirty="0" smtClean="0"/>
+              <a:t>Geben Sie dann entweder eine Fehlermeldung oder das Quadrat der Zahl aus</a:t>
+            </a:r>
+            <a:r>
+              <a:rPr lang="de-DE" altLang="de-DE" sz="2400" dirty="0" smtClean="0"/>
+              <a:t>.</a:t>
+            </a:r>
+          </a:p>
+          <a:p>
+            <a:pPr marL="269875" indent="-269875" eaLnBrk="1">
+              <a:spcAft>
+                <a:spcPct val="0"/>
+              </a:spcAft>
+              <a:buSzPct val="45000"/>
+              <a:buFont typeface="Wingdings" charset="2"/>
+              <a:buChar char=""/>
+              <a:tabLst>
+                <a:tab pos="723900" algn="l"/>
+                <a:tab pos="1447800" algn="l"/>
+                <a:tab pos="2171700" algn="l"/>
+                <a:tab pos="2895600" algn="l"/>
+                <a:tab pos="3619500" algn="l"/>
+                <a:tab pos="4343400" algn="l"/>
+                <a:tab pos="5067300" algn="l"/>
+                <a:tab pos="5791200" algn="l"/>
+                <a:tab pos="6515100" algn="l"/>
+                <a:tab pos="7239000" algn="l"/>
+                <a:tab pos="7962900" algn="l"/>
+                <a:tab pos="8686800" algn="l"/>
+              </a:tabLst>
+            </a:pPr>
+            <a:endParaRPr lang="de-DE" altLang="de-DE" sz="2400" dirty="0" smtClean="0"/>
+          </a:p>
+          <a:p>
+            <a:pPr marL="269875" indent="-269875" eaLnBrk="1">
+              <a:spcAft>
+                <a:spcPct val="0"/>
+              </a:spcAft>
+              <a:buSzPct val="45000"/>
+              <a:tabLst>
+                <a:tab pos="723900" algn="l"/>
+                <a:tab pos="1447800" algn="l"/>
+                <a:tab pos="2171700" algn="l"/>
+                <a:tab pos="2895600" algn="l"/>
+                <a:tab pos="3619500" algn="l"/>
+                <a:tab pos="4343400" algn="l"/>
+                <a:tab pos="5067300" algn="l"/>
+                <a:tab pos="5791200" algn="l"/>
+                <a:tab pos="6515100" algn="l"/>
+                <a:tab pos="7239000" algn="l"/>
+                <a:tab pos="7962900" algn="l"/>
+                <a:tab pos="8686800" algn="l"/>
+              </a:tabLst>
+            </a:pPr>
+            <a:r>
+              <a:rPr lang="de-DE" altLang="de-DE" sz="2400" dirty="0" smtClean="0">
+                <a:hlinkClick r:id="rId3"/>
+              </a:rPr>
+              <a:t>https://</a:t>
+            </a:r>
+            <a:r>
+              <a:rPr lang="de-DE" altLang="de-DE" sz="2400" dirty="0" smtClean="0">
+                <a:hlinkClick r:id="rId3"/>
+              </a:rPr>
+              <a:t>github.com/nordakademie-einfuehrung-java/uebung_11_1</a:t>
+            </a:r>
+            <a:endParaRPr lang="de-DE" altLang="de-DE" sz="2400" dirty="0" smtClean="0"/>
           </a:p>
           <a:p>
             <a:pPr marL="269875" indent="-269875" eaLnBrk="1">
@@ -11912,7 +11995,7 @@
                 <a:tab pos="8686800" algn="l"/>
               </a:tabLst>
             </a:pPr>
-            <a:endParaRPr lang="de-DE" altLang="de-DE" sz="2400" smtClean="0"/>
+            <a:endParaRPr lang="de-DE" altLang="de-DE" sz="2400" dirty="0" smtClean="0"/>
           </a:p>
           <a:p>
             <a:pPr marL="269875" indent="-269875" eaLnBrk="1">
@@ -11937,7 +12020,7 @@
                 <a:tab pos="8686800" algn="l"/>
               </a:tabLst>
             </a:pPr>
-            <a:endParaRPr lang="de-DE" altLang="de-DE" sz="2400" smtClean="0"/>
+            <a:endParaRPr lang="de-DE" altLang="de-DE" sz="2400" dirty="0" smtClean="0"/>
           </a:p>
         </p:txBody>
       </p:sp>
@@ -12057,7 +12140,7 @@
               <a:pPr/>
               <a:t>18</a:t>
             </a:fld>
-            <a:endParaRPr lang="de-DE" altLang="de-DE"/>
+            <a:endParaRPr lang="de-DE" altLang="de-DE" dirty="0"/>
           </a:p>
         </p:txBody>
       </p:sp>
@@ -12148,13 +12231,26 @@
               </a:tabLst>
             </a:pPr>
             <a:r>
-              <a:rPr lang="de-DE" altLang="de-DE" sz="4000" smtClean="0">
+              <a:rPr lang="de-DE" altLang="de-DE" sz="4000" dirty="0" smtClean="0">
                 <a:solidFill>
                   <a:srgbClr val="FFFFFF"/>
                 </a:solidFill>
               </a:rPr>
-              <a:t>Übung 2: Exceptions</a:t>
-            </a:r>
+              <a:t>Übung 2: </a:t>
+            </a:r>
+            <a:r>
+              <a:rPr lang="de-DE" altLang="de-DE" sz="4000" dirty="0" err="1" smtClean="0">
+                <a:solidFill>
+                  <a:srgbClr val="FFFFFF"/>
+                </a:solidFill>
+              </a:rPr>
+              <a:t>Exceptions</a:t>
+            </a:r>
+            <a:endParaRPr lang="de-DE" altLang="de-DE" sz="4000" dirty="0" smtClean="0">
+              <a:solidFill>
+                <a:srgbClr val="FFFFFF"/>
+              </a:solidFill>
+            </a:endParaRPr>
           </a:p>
         </p:txBody>
       </p:sp>
@@ -12201,16 +12297,34 @@
               </a:tabLst>
             </a:pPr>
             <a:r>
-              <a:rPr lang="de-DE" altLang="de-DE" sz="2400" smtClean="0"/>
-              <a:t>Öffnen Sie das BlackJack-Projekt (bzw. kopieren Sie</a:t>
-            </a:r>
-            <a:br>
-              <a:rPr lang="de-DE" altLang="de-DE" sz="2400" smtClean="0"/>
-            </a:br>
-            <a:r>
-              <a:rPr lang="de-DE" altLang="de-DE" sz="2400" smtClean="0"/>
-              <a:t>es vom T-Laufwerk).</a:t>
-            </a:r>
+              <a:rPr lang="de-DE" altLang="de-DE" sz="2400" dirty="0" smtClean="0"/>
+              <a:t>Öffnen Sie </a:t>
+            </a:r>
+            <a:r>
+              <a:rPr lang="de-DE" altLang="de-DE" sz="2400" dirty="0" smtClean="0"/>
+              <a:t>Ihr </a:t>
+            </a:r>
+            <a:r>
+              <a:rPr lang="de-DE" altLang="de-DE" sz="2400" dirty="0" err="1" smtClean="0"/>
+              <a:t>BlackJack</a:t>
+            </a:r>
+            <a:r>
+              <a:rPr lang="de-DE" altLang="de-DE" sz="2400" dirty="0" smtClean="0"/>
+              <a:t>-Projekt </a:t>
+            </a:r>
+            <a:r>
+              <a:rPr lang="de-DE" altLang="de-DE" sz="2400" dirty="0" smtClean="0"/>
+              <a:t>bzw</a:t>
+            </a:r>
+            <a:r>
+              <a:rPr lang="de-DE" altLang="de-DE" sz="2400" dirty="0" smtClean="0"/>
+              <a:t>. </a:t>
+            </a:r>
+            <a:r>
+              <a:rPr lang="de-DE" altLang="de-DE" sz="2400" dirty="0" smtClean="0"/>
+              <a:t>verwenden Sie die mitgelieferten relevanten Klassen.</a:t>
+            </a:r>
+            <a:endParaRPr lang="de-DE" altLang="de-DE" sz="2400" dirty="0" smtClean="0"/>
           </a:p>
           <a:p>
             <a:pPr marL="269875" indent="-269875" eaLnBrk="1">
@@ -12236,28 +12350,46 @@
               </a:tabLst>
             </a:pPr>
             <a:r>
-              <a:rPr lang="de-DE" altLang="de-DE" sz="2400" smtClean="0"/>
-              <a:t>Ändern Sie die Methode </a:t>
-            </a:r>
-            <a:r>
-              <a:rPr lang="de-DE" altLang="de-DE" sz="2400" smtClean="0">
+              <a:rPr lang="de-DE" altLang="de-DE" sz="2400" dirty="0" smtClean="0"/>
+              <a:t>Ändern </a:t>
+            </a:r>
+            <a:r>
+              <a:rPr lang="de-DE" altLang="de-DE" sz="2400" dirty="0" smtClean="0"/>
+              <a:t>Sie die Methode </a:t>
+            </a:r>
+            <a:r>
+              <a:rPr lang="de-DE" altLang="de-DE" sz="2400" dirty="0" err="1" smtClean="0">
                 <a:latin typeface="Courier New" pitchFamily="49" charset="0"/>
               </a:rPr>
-              <a:t>getObersteKarte()</a:t>
-            </a:r>
-            <a:r>
-              <a:rPr lang="de-DE" altLang="de-DE" sz="2400" smtClean="0"/>
+              <a:t>getObersteKarte</a:t>
+            </a:r>
+            <a:r>
+              <a:rPr lang="de-DE" altLang="de-DE" sz="2400" dirty="0" smtClean="0">
+                <a:latin typeface="Courier New" pitchFamily="49" charset="0"/>
+              </a:rPr>
+              <a:t>()</a:t>
+            </a:r>
+            <a:r>
+              <a:rPr lang="de-DE" altLang="de-DE" sz="2400" dirty="0" smtClean="0"/>
               <a:t> der Klasse </a:t>
             </a:r>
             <a:r>
-              <a:rPr lang="de-DE" altLang="de-DE" sz="2400" smtClean="0">
+              <a:rPr lang="de-DE" altLang="de-DE" sz="2400" dirty="0" smtClean="0">
                 <a:latin typeface="Courier New" pitchFamily="49" charset="0"/>
               </a:rPr>
               <a:t>Spielkartenstapel</a:t>
             </a:r>
             <a:r>
-              <a:rPr lang="de-DE" altLang="de-DE" sz="2400" smtClean="0"/>
-              <a:t> derart, dass sie eine angemessene Exception wirft, wenn der Stapel leer ist. </a:t>
+              <a:rPr lang="de-DE" altLang="de-DE" sz="2400" dirty="0" smtClean="0"/>
+              <a:t> derart, dass sie eine angemessene </a:t>
+            </a:r>
+            <a:r>
+              <a:rPr lang="de-DE" altLang="de-DE" sz="2400" dirty="0" err="1" smtClean="0"/>
+              <a:t>Exception</a:t>
+            </a:r>
+            <a:r>
+              <a:rPr lang="de-DE" altLang="de-DE" sz="2400" dirty="0" smtClean="0"/>
+              <a:t> wirft, wenn der Stapel leer ist. </a:t>
             </a:r>
           </a:p>
           <a:p>
@@ -12284,18 +12416,26 @@
               </a:tabLst>
             </a:pPr>
             <a:r>
-              <a:rPr lang="de-DE" altLang="de-DE" sz="2400" smtClean="0"/>
+              <a:rPr lang="de-DE" altLang="de-DE" sz="2400" dirty="0" smtClean="0"/>
               <a:t>Ergänzen Sie das Projekt um eine Klasse </a:t>
             </a:r>
             <a:r>
-              <a:rPr lang="de-DE" altLang="de-DE" sz="2400" smtClean="0">
+              <a:rPr lang="de-DE" altLang="de-DE" sz="2400" dirty="0" smtClean="0">
                 <a:latin typeface="Courier New" pitchFamily="49" charset="0"/>
               </a:rPr>
               <a:t>Test</a:t>
             </a:r>
             <a:r>
-              <a:rPr lang="de-DE" altLang="de-DE" sz="2400" smtClean="0"/>
-              <a:t> mit einer main-Methode.</a:t>
+              <a:rPr lang="de-DE" altLang="de-DE" sz="2400" dirty="0" smtClean="0"/>
+              <a:t> mit einer </a:t>
+            </a:r>
+            <a:r>
+              <a:rPr lang="de-DE" altLang="de-DE" sz="2400" dirty="0" err="1" smtClean="0"/>
+              <a:t>main</a:t>
+            </a:r>
+            <a:r>
+              <a:rPr lang="de-DE" altLang="de-DE" sz="2400" dirty="0" smtClean="0"/>
+              <a:t>-Methode.</a:t>
             </a:r>
           </a:p>
           <a:p>
@@ -12322,8 +12462,16 @@
               </a:tabLst>
             </a:pPr>
             <a:r>
-              <a:rPr lang="de-DE" altLang="de-DE" sz="2400" smtClean="0"/>
-              <a:t>Erzeugen Sie in dieser Methode einen Spielkartenstapel und nehmen Sie solange Karten, bis die Exception ausgelöst wird.</a:t>
+              <a:rPr lang="de-DE" altLang="de-DE" sz="2400" dirty="0" smtClean="0"/>
+              <a:t>Erzeugen Sie in dieser Methode einen Spielkartenstapel und nehmen Sie solange Karten, bis die </a:t>
+            </a:r>
+            <a:r>
+              <a:rPr lang="de-DE" altLang="de-DE" sz="2400" dirty="0" err="1" smtClean="0"/>
+              <a:t>Exception</a:t>
+            </a:r>
+            <a:r>
+              <a:rPr lang="de-DE" altLang="de-DE" sz="2400" dirty="0" smtClean="0"/>
+              <a:t> ausgelöst wird.</a:t>
             </a:r>
           </a:p>
           <a:p>
@@ -12350,9 +12498,89 @@
               </a:tabLst>
             </a:pPr>
             <a:r>
-              <a:rPr lang="de-DE" altLang="de-DE" sz="2400" smtClean="0"/>
-              <a:t>Erweitern Sie das Programm derart, dass die kritische Anweisung in einem try-catch-Block steht und die Exception abgefangen wird. Wenn das auftritt, mischen Sie den Stapel neu.</a:t>
-            </a:r>
+              <a:rPr lang="de-DE" altLang="de-DE" sz="2400" dirty="0" smtClean="0"/>
+              <a:t>Erweitern Sie das Programm derart, dass die kritische Anweisung in einem </a:t>
+            </a:r>
+            <a:r>
+              <a:rPr lang="de-DE" altLang="de-DE" sz="2400" dirty="0" err="1" smtClean="0"/>
+              <a:t>try</a:t>
+            </a:r>
+            <a:r>
+              <a:rPr lang="de-DE" altLang="de-DE" sz="2400" dirty="0" smtClean="0"/>
+              <a:t>-catch-Block steht und die </a:t>
+            </a:r>
+            <a:r>
+              <a:rPr lang="de-DE" altLang="de-DE" sz="2400" dirty="0" err="1" smtClean="0"/>
+              <a:t>Exception</a:t>
+            </a:r>
+            <a:r>
+              <a:rPr lang="de-DE" altLang="de-DE" sz="2400" dirty="0" smtClean="0"/>
+              <a:t> abgefangen wird. Wenn das auftritt, mischen Sie den Stapel neu</a:t>
+            </a:r>
+            <a:r>
+              <a:rPr lang="de-DE" altLang="de-DE" sz="2400" dirty="0" smtClean="0"/>
+              <a:t>.</a:t>
+            </a:r>
+          </a:p>
+          <a:p>
+            <a:pPr marL="269875" indent="-269875" eaLnBrk="1">
+              <a:spcAft>
+                <a:spcPct val="0"/>
+              </a:spcAft>
+              <a:buSzPct val="45000"/>
+              <a:buFont typeface="Wingdings" charset="2"/>
+              <a:buChar char=""/>
+              <a:tabLst>
+                <a:tab pos="723900" algn="l"/>
+                <a:tab pos="1447800" algn="l"/>
+                <a:tab pos="2171700" algn="l"/>
+                <a:tab pos="2895600" algn="l"/>
+                <a:tab pos="3619500" algn="l"/>
+                <a:tab pos="4343400" algn="l"/>
+                <a:tab pos="5067300" algn="l"/>
+                <a:tab pos="5791200" algn="l"/>
+                <a:tab pos="6515100" algn="l"/>
+                <a:tab pos="7239000" algn="l"/>
+                <a:tab pos="7962900" algn="l"/>
+                <a:tab pos="8686800" algn="l"/>
+              </a:tabLst>
+            </a:pPr>
+            <a:endParaRPr lang="de-DE" altLang="de-DE" sz="2400" dirty="0" smtClean="0"/>
+          </a:p>
+          <a:p>
+            <a:pPr marL="269875" indent="-269875" eaLnBrk="1">
+              <a:spcAft>
+                <a:spcPct val="0"/>
+              </a:spcAft>
+              <a:buSzPct val="45000"/>
+              <a:tabLst>
+                <a:tab pos="723900" algn="l"/>
+                <a:tab pos="1447800" algn="l"/>
+                <a:tab pos="2171700" algn="l"/>
+                <a:tab pos="2895600" algn="l"/>
+                <a:tab pos="3619500" algn="l"/>
+                <a:tab pos="4343400" algn="l"/>
+                <a:tab pos="5067300" algn="l"/>
+                <a:tab pos="5791200" algn="l"/>
+                <a:tab pos="6515100" algn="l"/>
+                <a:tab pos="7239000" algn="l"/>
+                <a:tab pos="7962900" algn="l"/>
+                <a:tab pos="8686800" algn="l"/>
+              </a:tabLst>
+            </a:pPr>
+            <a:r>
+              <a:rPr lang="de-DE" altLang="de-DE" sz="2400" dirty="0" smtClean="0">
+                <a:hlinkClick r:id="rId3"/>
+              </a:rPr>
+              <a:t>https://</a:t>
+            </a:r>
+            <a:r>
+              <a:rPr lang="de-DE" altLang="de-DE" sz="2400" dirty="0" smtClean="0">
+                <a:hlinkClick r:id="rId3"/>
+              </a:rPr>
+              <a:t>github.com/nordakademie-einfuehrung-java/uebung_11_2</a:t>
+            </a:r>
+            <a:endParaRPr lang="de-DE" altLang="de-DE" sz="2400" dirty="0" smtClean="0"/>
           </a:p>
           <a:p>
             <a:pPr marL="269875" indent="-269875" eaLnBrk="1">
@@ -12377,7 +12605,7 @@
                 <a:tab pos="8686800" algn="l"/>
               </a:tabLst>
             </a:pPr>
-            <a:endParaRPr lang="de-DE" altLang="de-DE" smtClean="0"/>
+            <a:endParaRPr lang="de-DE" altLang="de-DE" dirty="0" smtClean="0"/>
           </a:p>
           <a:p>
             <a:pPr marL="269875" indent="-269875" eaLnBrk="1">
@@ -12402,7 +12630,7 @@
                 <a:tab pos="8686800" algn="l"/>
               </a:tabLst>
             </a:pPr>
-            <a:endParaRPr lang="de-DE" altLang="de-DE" smtClean="0"/>
+            <a:endParaRPr lang="de-DE" altLang="de-DE" dirty="0" smtClean="0"/>
           </a:p>
         </p:txBody>
       </p:sp>
@@ -12613,7 +12841,7 @@
               </a:tabLst>
             </a:pPr>
             <a:r>
-              <a:rPr lang="de-DE" altLang="de-DE" sz="4000" smtClean="0">
+              <a:rPr lang="de-DE" altLang="de-DE" sz="4000" dirty="0" smtClean="0">
                 <a:solidFill>
                   <a:srgbClr val="FFFFFF"/>
                 </a:solidFill>
@@ -17130,12 +17358,28 @@
               </a:tabLst>
             </a:pPr>
             <a:r>
-              <a:rPr lang="de-DE" altLang="de-DE" sz="4000" smtClean="0">
+              <a:rPr lang="de-DE" altLang="de-DE" sz="4000" dirty="0" smtClean="0">
                 <a:solidFill>
                   <a:srgbClr val="FFFFFF"/>
                 </a:solidFill>
               </a:rPr>
-              <a:t>Übung 1: ArrayList</a:t>
+              <a:t>Übung </a:t>
+            </a:r>
+            <a:r>
+              <a:rPr lang="de-DE" altLang="de-DE" sz="4000" dirty="0" smtClean="0">
+                <a:solidFill>
+                  <a:srgbClr val="FFFFFF"/>
+                </a:solidFill>
+              </a:rPr>
+              <a:t>3: </a:t>
+            </a:r>
+            <a:r>
+              <a:rPr lang="de-DE" altLang="de-DE" sz="4000" dirty="0" smtClean="0">
+                <a:solidFill>
+                  <a:srgbClr val="FFFFFF"/>
+                </a:solidFill>
+              </a:rPr>
+              <a:t>ArrayList</a:t>
             </a:r>
           </a:p>
         </p:txBody>
@@ -17183,20 +17427,48 @@
               </a:tabLst>
             </a:pPr>
             <a:r>
-              <a:rPr lang="de-DE" altLang="de-DE" sz="2800" smtClean="0"/>
-              <a:t>Öffnen Sie das BlackJack-Projekt (bzw. kopieren Sie</a:t>
+              <a:rPr lang="de-DE" altLang="de-DE" sz="2800" dirty="0" smtClean="0"/>
+              <a:t>Öffnen Sie </a:t>
+            </a:r>
+            <a:r>
+              <a:rPr lang="de-DE" altLang="de-DE" sz="2800" dirty="0" smtClean="0"/>
+              <a:t>Ihr </a:t>
+            </a:r>
+            <a:r>
+              <a:rPr lang="de-DE" altLang="de-DE" sz="2800" dirty="0" err="1" smtClean="0"/>
+              <a:t>BlackJack</a:t>
+            </a:r>
+            <a:r>
+              <a:rPr lang="de-DE" altLang="de-DE" sz="2800" dirty="0" smtClean="0"/>
+              <a:t>-Projekt </a:t>
+            </a:r>
+            <a:r>
+              <a:rPr lang="de-DE" altLang="de-DE" sz="2800" dirty="0" smtClean="0"/>
+              <a:t>(bzw. </a:t>
+            </a:r>
+            <a:r>
+              <a:rPr lang="de-DE" altLang="de-DE" sz="2800" dirty="0" smtClean="0"/>
+              <a:t>verwenden </a:t>
+            </a:r>
+            <a:r>
+              <a:rPr lang="de-DE" altLang="de-DE" sz="2800" dirty="0" smtClean="0"/>
+              <a:t>Sie</a:t>
             </a:r>
             <a:br>
-              <a:rPr lang="de-DE" altLang="de-DE" sz="2800" smtClean="0"/>
+              <a:rPr lang="de-DE" altLang="de-DE" sz="2800" dirty="0" smtClean="0"/>
             </a:br>
             <a:r>
-              <a:rPr lang="de-DE" altLang="de-DE" sz="2800" smtClean="0"/>
-              <a:t>es vom T-Laufwerk).</a:t>
+              <a:rPr lang="de-DE" altLang="de-DE" sz="2800" dirty="0" smtClean="0"/>
+              <a:t>die relevanten Klassen aus dem Übungs-Repository).</a:t>
+            </a:r>
+            <a:r>
+              <a:rPr lang="de-DE" altLang="de-DE" sz="2800" dirty="0" smtClean="0"/>
+              <a:t/>
             </a:r>
             <a:br>
-              <a:rPr lang="de-DE" altLang="de-DE" sz="2800" smtClean="0"/>
+              <a:rPr lang="de-DE" altLang="de-DE" sz="2800" dirty="0" smtClean="0"/>
             </a:br>
-            <a:endParaRPr lang="de-DE" altLang="de-DE" sz="2800" smtClean="0"/>
+            <a:endParaRPr lang="de-DE" altLang="de-DE" sz="2800" dirty="0" smtClean="0"/>
           </a:p>
           <a:p>
             <a:pPr marL="269875" indent="-269875" eaLnBrk="1">
@@ -17222,29 +17494,93 @@
               </a:tabLst>
             </a:pPr>
             <a:r>
-              <a:rPr lang="de-DE" altLang="de-DE" sz="2800" smtClean="0"/>
+              <a:rPr lang="de-DE" altLang="de-DE" sz="2800" dirty="0" smtClean="0"/>
               <a:t>Schreiben Sie die Klasse </a:t>
             </a:r>
             <a:r>
-              <a:rPr lang="de-DE" altLang="de-DE" sz="2800" smtClean="0">
+              <a:rPr lang="de-DE" altLang="de-DE" sz="2800" dirty="0" smtClean="0">
                 <a:latin typeface="Courier New" pitchFamily="49" charset="0"/>
               </a:rPr>
               <a:t>Kartenhand</a:t>
             </a:r>
             <a:r>
-              <a:rPr lang="de-DE" altLang="de-DE" sz="2800" smtClean="0"/>
+              <a:rPr lang="de-DE" altLang="de-DE" sz="2800" dirty="0" smtClean="0"/>
               <a:t> derart um, dass nun anstelle eines normalen Arrays eine </a:t>
             </a:r>
             <a:r>
-              <a:rPr lang="de-DE" altLang="de-DE" sz="2800" smtClean="0">
+              <a:rPr lang="de-DE" altLang="de-DE" sz="2800" dirty="0" smtClean="0">
                 <a:latin typeface="Courier New" pitchFamily="49" charset="0"/>
               </a:rPr>
               <a:t>ArrayList</a:t>
             </a:r>
             <a:r>
-              <a:rPr lang="de-DE" altLang="de-DE" sz="2800" smtClean="0"/>
-              <a:t> verwendet wird.</a:t>
-            </a:r>
+              <a:rPr lang="de-DE" altLang="de-DE" sz="2800" dirty="0" smtClean="0"/>
+              <a:t> verwendet wird</a:t>
+            </a:r>
+            <a:r>
+              <a:rPr lang="de-DE" altLang="de-DE" sz="2800" dirty="0" smtClean="0"/>
+              <a:t>.</a:t>
+            </a:r>
+          </a:p>
+          <a:p>
+            <a:pPr marL="269875" indent="-269875" eaLnBrk="1">
+              <a:spcAft>
+                <a:spcPct val="0"/>
+              </a:spcAft>
+              <a:buSzPct val="45000"/>
+              <a:buFont typeface="Wingdings" charset="2"/>
+              <a:buChar char=""/>
+              <a:tabLst>
+                <a:tab pos="723900" algn="l"/>
+                <a:tab pos="1447800" algn="l"/>
+                <a:tab pos="2171700" algn="l"/>
+                <a:tab pos="2895600" algn="l"/>
+                <a:tab pos="3619500" algn="l"/>
+                <a:tab pos="4343400" algn="l"/>
+                <a:tab pos="5067300" algn="l"/>
+                <a:tab pos="5791200" algn="l"/>
+                <a:tab pos="6515100" algn="l"/>
+                <a:tab pos="7239000" algn="l"/>
+                <a:tab pos="7962900" algn="l"/>
+                <a:tab pos="8686800" algn="l"/>
+              </a:tabLst>
+            </a:pPr>
+            <a:endParaRPr lang="de-DE" altLang="de-DE" sz="2800" dirty="0" smtClean="0"/>
+          </a:p>
+          <a:p>
+            <a:pPr marL="269875" indent="-269875" eaLnBrk="1">
+              <a:spcAft>
+                <a:spcPct val="0"/>
+              </a:spcAft>
+              <a:buSzPct val="45000"/>
+              <a:tabLst>
+                <a:tab pos="723900" algn="l"/>
+                <a:tab pos="1447800" algn="l"/>
+                <a:tab pos="2171700" algn="l"/>
+                <a:tab pos="2895600" algn="l"/>
+                <a:tab pos="3619500" algn="l"/>
+                <a:tab pos="4343400" algn="l"/>
+                <a:tab pos="5067300" algn="l"/>
+                <a:tab pos="5791200" algn="l"/>
+                <a:tab pos="6515100" algn="l"/>
+                <a:tab pos="7239000" algn="l"/>
+                <a:tab pos="7962900" algn="l"/>
+                <a:tab pos="8686800" algn="l"/>
+              </a:tabLst>
+            </a:pPr>
+            <a:r>
+              <a:rPr lang="de-DE" altLang="de-DE" sz="2400" dirty="0" smtClean="0">
+                <a:hlinkClick r:id="rId3"/>
+              </a:rPr>
+              <a:t>https://</a:t>
+            </a:r>
+            <a:r>
+              <a:rPr lang="de-DE" altLang="de-DE" sz="2400" dirty="0" smtClean="0">
+                <a:hlinkClick r:id="rId3"/>
+              </a:rPr>
+              <a:t>github.com/nordakademie-einfuehrung-java/uebung_11_3</a:t>
+            </a:r>
+            <a:endParaRPr lang="de-DE" altLang="de-DE" dirty="0" smtClean="0"/>
           </a:p>
           <a:p>
             <a:pPr marL="269875" indent="-269875" eaLnBrk="1">
@@ -17269,32 +17605,7 @@
                 <a:tab pos="8686800" algn="l"/>
               </a:tabLst>
             </a:pPr>
-            <a:endParaRPr lang="de-DE" altLang="de-DE" smtClean="0"/>
-          </a:p>
-          <a:p>
-            <a:pPr marL="269875" indent="-269875" eaLnBrk="1">
-              <a:spcAft>
-                <a:spcPct val="0"/>
-              </a:spcAft>
-              <a:buSzPct val="45000"/>
-              <a:buFont typeface="Wingdings" charset="2"/>
-              <a:buNone/>
-              <a:tabLst>
-                <a:tab pos="723900" algn="l"/>
-                <a:tab pos="1447800" algn="l"/>
-                <a:tab pos="2171700" algn="l"/>
-                <a:tab pos="2895600" algn="l"/>
-                <a:tab pos="3619500" algn="l"/>
-                <a:tab pos="4343400" algn="l"/>
-                <a:tab pos="5067300" algn="l"/>
-                <a:tab pos="5791200" algn="l"/>
-                <a:tab pos="6515100" algn="l"/>
-                <a:tab pos="7239000" algn="l"/>
-                <a:tab pos="7962900" algn="l"/>
-                <a:tab pos="8686800" algn="l"/>
-              </a:tabLst>
-            </a:pPr>
-            <a:endParaRPr lang="de-DE" altLang="de-DE" smtClean="0"/>
+            <a:endParaRPr lang="de-DE" altLang="de-DE" dirty="0" smtClean="0"/>
           </a:p>
         </p:txBody>
       </p:sp>
@@ -17505,12 +17816,28 @@
               </a:tabLst>
             </a:pPr>
             <a:r>
-              <a:rPr lang="de-DE" altLang="de-DE" sz="4000" smtClean="0">
+              <a:rPr lang="de-DE" altLang="de-DE" sz="4000" dirty="0" smtClean="0">
                 <a:solidFill>
                   <a:srgbClr val="FFFFFF"/>
                 </a:solidFill>
               </a:rPr>
-              <a:t>Übung 2: ArrayList (1)</a:t>
+              <a:t>Übung </a:t>
+            </a:r>
+            <a:r>
+              <a:rPr lang="de-DE" altLang="de-DE" sz="4000" dirty="0" smtClean="0">
+                <a:solidFill>
+                  <a:srgbClr val="FFFFFF"/>
+                </a:solidFill>
+              </a:rPr>
+              <a:t>4: </a:t>
+            </a:r>
+            <a:r>
+              <a:rPr lang="de-DE" altLang="de-DE" sz="4000" dirty="0" smtClean="0">
+                <a:solidFill>
+                  <a:srgbClr val="FFFFFF"/>
+                </a:solidFill>
+              </a:rPr>
+              <a:t>ArrayList (1)</a:t>
             </a:r>
           </a:p>
         </p:txBody>
@@ -17558,23 +17885,23 @@
               </a:tabLst>
             </a:pPr>
             <a:r>
-              <a:rPr lang="de-DE" altLang="de-DE" sz="2800" smtClean="0"/>
+              <a:rPr lang="de-DE" altLang="de-DE" sz="2800" dirty="0" smtClean="0"/>
               <a:t>Schreiben Sie ein Programm, welches vom Anwender immer wieder die Eingabe einer ganzen Zahl fordert und jede in einer </a:t>
             </a:r>
             <a:r>
-              <a:rPr lang="de-DE" altLang="de-DE" sz="2800" smtClean="0">
+              <a:rPr lang="de-DE" altLang="de-DE" sz="2800" dirty="0" smtClean="0">
                 <a:latin typeface="Courier New" pitchFamily="49" charset="0"/>
               </a:rPr>
               <a:t>ArrayList</a:t>
             </a:r>
             <a:r>
-              <a:rPr lang="de-DE" altLang="de-DE" sz="2800" smtClean="0"/>
+              <a:rPr lang="de-DE" altLang="de-DE" sz="2800" dirty="0" smtClean="0"/>
               <a:t> ablegt.</a:t>
             </a:r>
             <a:br>
-              <a:rPr lang="de-DE" altLang="de-DE" sz="2800" smtClean="0"/>
+              <a:rPr lang="de-DE" altLang="de-DE" sz="2800" dirty="0" smtClean="0"/>
             </a:br>
-            <a:endParaRPr lang="de-DE" altLang="de-DE" sz="2800" smtClean="0"/>
+            <a:endParaRPr lang="de-DE" altLang="de-DE" sz="2800" dirty="0" smtClean="0"/>
           </a:p>
           <a:p>
             <a:pPr marL="269875" indent="-269875" eaLnBrk="1">
@@ -17600,14 +17927,14 @@
               </a:tabLst>
             </a:pPr>
             <a:r>
-              <a:rPr lang="de-DE" altLang="de-DE" sz="2800" smtClean="0"/>
+              <a:rPr lang="de-DE" altLang="de-DE" sz="2800" dirty="0" smtClean="0"/>
               <a:t>Gibt der Anwender nichts mehr ein, endet die Eingabeschleife und die "Auswertung" beginnt.</a:t>
             </a:r>
             <a:br>
-              <a:rPr lang="de-DE" altLang="de-DE" sz="2800" smtClean="0"/>
+              <a:rPr lang="de-DE" altLang="de-DE" sz="2800" dirty="0" smtClean="0"/>
             </a:br>
             <a:r>
-              <a:rPr lang="de-DE" altLang="de-DE" sz="2800" smtClean="0"/>
+              <a:rPr lang="de-DE" altLang="de-DE" sz="2800" dirty="0" smtClean="0"/>
               <a:t> </a:t>
             </a:r>
           </a:p>
@@ -17635,7 +17962,7 @@
               </a:tabLst>
             </a:pPr>
             <a:r>
-              <a:rPr lang="de-DE" altLang="de-DE" sz="2800" smtClean="0"/>
+              <a:rPr lang="de-DE" altLang="de-DE" sz="2800" dirty="0" smtClean="0"/>
               <a:t>Gibt der Anwender eine ungültige Zahl ein, erscheint eine Meldung, und die Zahl wird einfach ignoriert.</a:t>
             </a:r>
           </a:p>
@@ -17662,7 +17989,7 @@
                 <a:tab pos="8686800" algn="l"/>
               </a:tabLst>
             </a:pPr>
-            <a:endParaRPr lang="de-DE" altLang="de-DE" smtClean="0"/>
+            <a:endParaRPr lang="de-DE" altLang="de-DE" dirty="0" smtClean="0"/>
           </a:p>
           <a:p>
             <a:pPr marL="269875" indent="-269875" eaLnBrk="1">
@@ -17687,7 +18014,7 @@
                 <a:tab pos="8686800" algn="l"/>
               </a:tabLst>
             </a:pPr>
-            <a:endParaRPr lang="de-DE" altLang="de-DE" smtClean="0"/>
+            <a:endParaRPr lang="de-DE" altLang="de-DE" dirty="0" smtClean="0"/>
           </a:p>
         </p:txBody>
       </p:sp>
@@ -18468,12 +18795,28 @@
               </a:tabLst>
             </a:pPr>
             <a:r>
-              <a:rPr lang="de-DE" altLang="de-DE" sz="4000" smtClean="0">
+              <a:rPr lang="de-DE" altLang="de-DE" sz="4000" dirty="0" smtClean="0">
                 <a:solidFill>
                   <a:srgbClr val="FFFFFF"/>
                 </a:solidFill>
               </a:rPr>
-              <a:t>Übung 2: ArrayList (2)</a:t>
+              <a:t>Übung </a:t>
+            </a:r>
+            <a:r>
+              <a:rPr lang="de-DE" altLang="de-DE" sz="4000" dirty="0" smtClean="0">
+                <a:solidFill>
+                  <a:srgbClr val="FFFFFF"/>
+                </a:solidFill>
+              </a:rPr>
+              <a:t>4: </a:t>
+            </a:r>
+            <a:r>
+              <a:rPr lang="de-DE" altLang="de-DE" sz="4000" dirty="0" smtClean="0">
+                <a:solidFill>
+                  <a:srgbClr val="FFFFFF"/>
+                </a:solidFill>
+              </a:rPr>
+              <a:t>ArrayList (2)</a:t>
             </a:r>
           </a:p>
         </p:txBody>
@@ -18521,58 +18864,74 @@
               </a:tabLst>
             </a:pPr>
             <a:r>
-              <a:rPr lang="de-DE" altLang="de-DE" sz="2800" smtClean="0"/>
+              <a:rPr lang="de-DE" altLang="de-DE" sz="2800" dirty="0" smtClean="0"/>
               <a:t>Ermitteln Sie nach der Eingabe aus den Zahlen der </a:t>
             </a:r>
             <a:r>
-              <a:rPr lang="de-DE" altLang="de-DE" sz="2800" smtClean="0">
+              <a:rPr lang="de-DE" altLang="de-DE" sz="2800" dirty="0" smtClean="0">
                 <a:latin typeface="Courier New" pitchFamily="49" charset="0"/>
               </a:rPr>
               <a:t>ArrayList</a:t>
             </a:r>
             <a:r>
-              <a:rPr lang="de-DE" altLang="de-DE" sz="2800" smtClean="0"/>
+              <a:rPr lang="de-DE" altLang="de-DE" sz="2800" dirty="0" smtClean="0"/>
               <a:t> die folgenden Werte:</a:t>
             </a:r>
             <a:br>
-              <a:rPr lang="de-DE" altLang="de-DE" sz="2800" smtClean="0"/>
+              <a:rPr lang="de-DE" altLang="de-DE" sz="2800" dirty="0" smtClean="0"/>
             </a:br>
             <a:r>
-              <a:rPr lang="de-DE" altLang="de-DE" sz="2800" smtClean="0"/>
+              <a:rPr lang="de-DE" altLang="de-DE" sz="2800" dirty="0" smtClean="0"/>
               <a:t/>
             </a:r>
             <a:br>
-              <a:rPr lang="de-DE" altLang="de-DE" sz="2800" smtClean="0"/>
+              <a:rPr lang="de-DE" altLang="de-DE" sz="2800" dirty="0" smtClean="0"/>
             </a:br>
             <a:r>
-              <a:rPr lang="de-DE" altLang="de-DE" sz="2800" smtClean="0"/>
+              <a:rPr lang="de-DE" altLang="de-DE" sz="2800" dirty="0" smtClean="0"/>
               <a:t>- arithmetisches Mittel "a"</a:t>
             </a:r>
             <a:br>
-              <a:rPr lang="de-DE" altLang="de-DE" sz="2800" smtClean="0"/>
+              <a:rPr lang="de-DE" altLang="de-DE" sz="2800" dirty="0" smtClean="0"/>
             </a:br>
             <a:r>
-              <a:rPr lang="de-DE" altLang="de-DE" sz="2800" smtClean="0"/>
+              <a:rPr lang="de-DE" altLang="de-DE" sz="2800" dirty="0" smtClean="0"/>
               <a:t>- geometrisches Mittel "g"</a:t>
             </a:r>
             <a:br>
-              <a:rPr lang="de-DE" altLang="de-DE" sz="2800" smtClean="0"/>
+              <a:rPr lang="de-DE" altLang="de-DE" sz="2800" dirty="0" smtClean="0"/>
             </a:br>
             <a:r>
-              <a:rPr lang="de-DE" altLang="de-DE" sz="2800" smtClean="0"/>
+              <a:rPr lang="de-DE" altLang="de-DE" sz="2800" dirty="0" smtClean="0"/>
               <a:t>- Anzahl aller eingegebenen Zahlen</a:t>
             </a:r>
             <a:br>
-              <a:rPr lang="de-DE" altLang="de-DE" sz="2800" smtClean="0"/>
+              <a:rPr lang="de-DE" altLang="de-DE" sz="2800" dirty="0" smtClean="0"/>
             </a:br>
             <a:r>
-              <a:rPr lang="de-DE" altLang="de-DE" sz="2800" smtClean="0"/>
-              <a:t>- Anzahl der Zahlen zwischen 0,5*a und 1,5*a</a:t>
+              <a:rPr lang="de-DE" altLang="de-DE" sz="2800" dirty="0" smtClean="0"/>
+              <a:t>- Anzahl der Zahlen zwischen </a:t>
+            </a:r>
+            <a:r>
+              <a:rPr lang="de-DE" altLang="de-DE" sz="2800" dirty="0" smtClean="0"/>
+              <a:t>0,5*a </a:t>
+            </a:r>
+            <a:r>
+              <a:rPr lang="de-DE" altLang="de-DE" sz="2800" dirty="0" smtClean="0"/>
+              <a:t>und </a:t>
+            </a:r>
+            <a:r>
+              <a:rPr lang="de-DE" altLang="de-DE" sz="2800" dirty="0" smtClean="0"/>
+              <a:t>1,5*a</a:t>
+            </a:r>
+            <a:r>
+              <a:rPr lang="de-DE" altLang="de-DE" sz="2800" dirty="0" smtClean="0"/>
+              <a:t/>
             </a:r>
             <a:br>
-              <a:rPr lang="de-DE" altLang="de-DE" sz="2800" smtClean="0"/>
+              <a:rPr lang="de-DE" altLang="de-DE" sz="2800" dirty="0" smtClean="0"/>
             </a:br>
-            <a:endParaRPr lang="de-DE" altLang="de-DE" sz="2800" smtClean="0"/>
+            <a:endParaRPr lang="de-DE" altLang="de-DE" sz="2800" dirty="0" smtClean="0"/>
           </a:p>
           <a:p>
             <a:pPr marL="269875" indent="-269875" eaLnBrk="1">
@@ -18598,8 +18957,36 @@
               </a:tabLst>
             </a:pPr>
             <a:r>
-              <a:rPr lang="de-DE" altLang="de-DE" sz="2800" smtClean="0"/>
-              <a:t>Entfernen Sie dann alle Zahlen kleiner 0,5*a und groesser 1,5*a und wiederholen Sie die Berechnung der Werte a und g auf der reduzierten Menge.</a:t>
+              <a:rPr lang="de-DE" altLang="de-DE" sz="2800" dirty="0" smtClean="0"/>
+              <a:t>Entfernen Sie dann alle Zahlen kleiner </a:t>
+            </a:r>
+            <a:r>
+              <a:rPr lang="de-DE" altLang="de-DE" sz="2800" dirty="0" smtClean="0"/>
+              <a:t>0,5*a </a:t>
+            </a:r>
+            <a:r>
+              <a:rPr lang="de-DE" altLang="de-DE" sz="2800" dirty="0" smtClean="0"/>
+              <a:t>und </a:t>
+            </a:r>
+            <a:r>
+              <a:rPr lang="de-DE" altLang="de-DE" sz="2800" dirty="0" err="1" smtClean="0"/>
+              <a:t>groesser</a:t>
+            </a:r>
+            <a:r>
+              <a:rPr lang="de-DE" altLang="de-DE" sz="2800" dirty="0" smtClean="0"/>
+              <a:t> </a:t>
+            </a:r>
+            <a:r>
+              <a:rPr lang="de-DE" altLang="de-DE" sz="2800" dirty="0" smtClean="0"/>
+              <a:t>1,5*a </a:t>
+            </a:r>
+            <a:r>
+              <a:rPr lang="de-DE" altLang="de-DE" sz="2800" dirty="0" smtClean="0"/>
+              <a:t>und wiederholen Sie die Berechnung der Werte a und g auf der reduzierten Menge</a:t>
+            </a:r>
+            <a:r>
+              <a:rPr lang="de-DE" altLang="de-DE" sz="2800" dirty="0" smtClean="0"/>
+              <a:t>.</a:t>
             </a:r>
           </a:p>
           <a:p>
@@ -18609,7 +18996,7 @@
               </a:spcAft>
               <a:buSzPct val="45000"/>
               <a:buFont typeface="Wingdings" charset="2"/>
-              <a:buNone/>
+              <a:buChar char=""/>
               <a:tabLst>
                 <a:tab pos="723900" algn="l"/>
                 <a:tab pos="1447800" algn="l"/>
@@ -18625,7 +19012,7 @@
                 <a:tab pos="8686800" algn="l"/>
               </a:tabLst>
             </a:pPr>
-            <a:endParaRPr lang="de-DE" altLang="de-DE" smtClean="0"/>
+            <a:endParaRPr lang="de-DE" altLang="de-DE" sz="2800" dirty="0" smtClean="0"/>
           </a:p>
           <a:p>
             <a:pPr marL="269875" indent="-269875" eaLnBrk="1">
@@ -18633,8 +19020,6 @@
                 <a:spcPct val="0"/>
               </a:spcAft>
               <a:buSzPct val="45000"/>
-              <a:buFont typeface="Wingdings" charset="2"/>
-              <a:buNone/>
               <a:tabLst>
                 <a:tab pos="723900" algn="l"/>
                 <a:tab pos="1447800" algn="l"/>
@@ -18650,7 +19035,19 @@
                 <a:tab pos="8686800" algn="l"/>
               </a:tabLst>
             </a:pPr>
-            <a:endParaRPr lang="de-DE" altLang="de-DE" smtClean="0"/>
+            <a:r>
+              <a:rPr lang="de-DE" altLang="de-DE" sz="2400" dirty="0" smtClean="0">
+                <a:hlinkClick r:id="rId3"/>
+              </a:rPr>
+              <a:t>https://</a:t>
+            </a:r>
+            <a:r>
+              <a:rPr lang="de-DE" altLang="de-DE" sz="2400" dirty="0" smtClean="0">
+                <a:hlinkClick r:id="rId3"/>
+              </a:rPr>
+              <a:t>github.com/nordakademie-einfuehrung-java/uebung_11_4</a:t>
+            </a:r>
+            <a:endParaRPr lang="de-DE" altLang="de-DE" dirty="0" smtClean="0"/>
           </a:p>
         </p:txBody>
       </p:sp>
@@ -21048,26 +21445,26 @@
               </a:tabLst>
             </a:pPr>
             <a:r>
-              <a:rPr lang="de-DE" altLang="de-DE" sz="2600" smtClean="0">
+              <a:rPr lang="de-DE" altLang="de-DE" sz="2600" dirty="0" err="1" smtClean="0">
                 <a:latin typeface="Courier New" pitchFamily="49" charset="0"/>
               </a:rPr>
               <a:t>IllegalArgumentException</a:t>
             </a:r>
             <a:r>
-              <a:rPr lang="de-DE" altLang="de-DE" sz="2600" smtClean="0"/>
+              <a:rPr lang="de-DE" altLang="de-DE" sz="2600" dirty="0" smtClean="0"/>
               <a:t>:</a:t>
             </a:r>
             <a:br>
-              <a:rPr lang="de-DE" altLang="de-DE" sz="2600" smtClean="0"/>
+              <a:rPr lang="de-DE" altLang="de-DE" sz="2600" dirty="0" smtClean="0"/>
             </a:br>
             <a:r>
-              <a:rPr lang="de-DE" altLang="de-DE" sz="2600" smtClean="0"/>
+              <a:rPr lang="de-DE" altLang="de-DE" sz="2600" dirty="0" smtClean="0"/>
               <a:t>wenn ein übergebener Parameter bei einem Methodenaufruf ungültig ist</a:t>
             </a:r>
             <a:br>
-              <a:rPr lang="de-DE" altLang="de-DE" sz="2600" smtClean="0"/>
+              <a:rPr lang="de-DE" altLang="de-DE" sz="2600" dirty="0" smtClean="0"/>
             </a:br>
-            <a:endParaRPr lang="de-DE" altLang="de-DE" sz="2600" smtClean="0"/>
+            <a:endParaRPr lang="de-DE" altLang="de-DE" sz="2600" dirty="0" smtClean="0"/>
           </a:p>
           <a:p>
             <a:pPr marL="269875" indent="-269875" eaLnBrk="1">
@@ -21096,33 +21493,33 @@
               </a:tabLst>
             </a:pPr>
             <a:r>
-              <a:rPr lang="de-DE" altLang="de-DE" sz="2600" smtClean="0">
+              <a:rPr lang="de-DE" altLang="de-DE" sz="2600" dirty="0" err="1" smtClean="0">
                 <a:latin typeface="Courier New" pitchFamily="49" charset="0"/>
               </a:rPr>
               <a:t>IllegalStateException</a:t>
             </a:r>
             <a:r>
-              <a:rPr lang="de-DE" altLang="de-DE" sz="2600" smtClean="0"/>
+              <a:rPr lang="de-DE" altLang="de-DE" sz="2600" dirty="0" smtClean="0"/>
               <a:t>:</a:t>
             </a:r>
             <a:br>
-              <a:rPr lang="de-DE" altLang="de-DE" sz="2600" smtClean="0"/>
+              <a:rPr lang="de-DE" altLang="de-DE" sz="2600" dirty="0" smtClean="0"/>
             </a:br>
             <a:r>
-              <a:rPr lang="de-DE" altLang="de-DE" sz="2600" smtClean="0"/>
+              <a:rPr lang="de-DE" altLang="de-DE" sz="2600" dirty="0" smtClean="0"/>
               <a:t>wenn sich ein Objekt in einem Zustand befindet, in</a:t>
             </a:r>
             <a:br>
-              <a:rPr lang="de-DE" altLang="de-DE" sz="2600" smtClean="0"/>
+              <a:rPr lang="de-DE" altLang="de-DE" sz="2600" dirty="0" smtClean="0"/>
             </a:br>
             <a:r>
-              <a:rPr lang="de-DE" altLang="de-DE" sz="2600" smtClean="0"/>
+              <a:rPr lang="de-DE" altLang="de-DE" sz="2600" dirty="0" smtClean="0"/>
               <a:t>dem es eine bestimmte Aktion nicht ausführen kann</a:t>
             </a:r>
             <a:br>
-              <a:rPr lang="de-DE" altLang="de-DE" sz="2600" smtClean="0"/>
+              <a:rPr lang="de-DE" altLang="de-DE" sz="2600" dirty="0" smtClean="0"/>
             </a:br>
-            <a:endParaRPr lang="de-DE" altLang="de-DE" sz="2600" smtClean="0"/>
+            <a:endParaRPr lang="de-DE" altLang="de-DE" sz="2600" dirty="0" smtClean="0"/>
           </a:p>
           <a:p>
             <a:pPr marL="269875" indent="-269875" eaLnBrk="1">
@@ -21151,27 +21548,27 @@
               </a:tabLst>
             </a:pPr>
             <a:r>
-              <a:rPr lang="de-DE" altLang="de-DE" sz="2600" smtClean="0">
+              <a:rPr lang="de-DE" altLang="de-DE" sz="2600" dirty="0" err="1" smtClean="0">
                 <a:latin typeface="Courier New" pitchFamily="49" charset="0"/>
               </a:rPr>
               <a:t>UnsupportedOperationException</a:t>
             </a:r>
             <a:r>
-              <a:rPr lang="de-DE" altLang="de-DE" sz="2600" smtClean="0"/>
+              <a:rPr lang="de-DE" altLang="de-DE" sz="2600" dirty="0" smtClean="0"/>
               <a:t>:</a:t>
             </a:r>
             <a:br>
-              <a:rPr lang="de-DE" altLang="de-DE" sz="2600" smtClean="0"/>
+              <a:rPr lang="de-DE" altLang="de-DE" sz="2600" dirty="0" smtClean="0"/>
             </a:br>
             <a:r>
-              <a:rPr lang="de-DE" altLang="de-DE" sz="2600" smtClean="0"/>
+              <a:rPr lang="de-DE" altLang="de-DE" sz="2600" dirty="0" smtClean="0"/>
               <a:t>wenn ein Objekt eine Methode anbietet, die vom Programmierer noch nicht entwickelt wurde</a:t>
             </a:r>
             <a:br>
-              <a:rPr lang="de-DE" altLang="de-DE" sz="2600" smtClean="0"/>
+              <a:rPr lang="de-DE" altLang="de-DE" sz="2600" dirty="0" smtClean="0"/>
             </a:br>
             <a:r>
-              <a:rPr lang="de-DE" altLang="de-DE" sz="2600" smtClean="0"/>
+              <a:rPr lang="de-DE" altLang="de-DE" sz="2600" dirty="0" smtClean="0"/>
               <a:t>(Methode schon mal hingeschrieben, aber noch nicht mit Inhalt gefüllt)</a:t>
             </a:r>
           </a:p>
@@ -21198,7 +21595,7 @@
                 <a:tab pos="8686800" algn="l"/>
               </a:tabLst>
             </a:pPr>
-            <a:endParaRPr lang="de-DE" altLang="de-DE" sz="2600" smtClean="0"/>
+            <a:endParaRPr lang="de-DE" altLang="de-DE" sz="2600" dirty="0" smtClean="0"/>
           </a:p>
           <a:p>
             <a:pPr marL="269875" indent="-269875" eaLnBrk="1">
@@ -21223,7 +21620,7 @@
                 <a:tab pos="8686800" algn="l"/>
               </a:tabLst>
             </a:pPr>
-            <a:endParaRPr lang="de-DE" altLang="de-DE" smtClean="0"/>
+            <a:endParaRPr lang="de-DE" altLang="de-DE" dirty="0" smtClean="0"/>
           </a:p>
         </p:txBody>
       </p:sp>
@@ -21484,7 +21881,7 @@
         <a:effectLst/>
         <a:extLst>
           <a:ext uri="{AF507438-7753-43E0-B8FC-AC1667EBCBE1}">
-            <a14:hiddenEffects xmlns:a14="http://schemas.microsoft.com/office/drawing/2010/main">
+            <a14:hiddenEffects xmlns:a14="http://schemas.microsoft.com/office/drawing/2010/main" xmlns="">
               <a:effectLst>
                 <a:outerShdw dist="35921" dir="2700000" algn="ctr" rotWithShape="0">
                   <a:schemeClr val="bg2"/>
@@ -21557,7 +21954,7 @@
         <a:effectLst/>
         <a:extLst>
           <a:ext uri="{AF507438-7753-43E0-B8FC-AC1667EBCBE1}">
-            <a14:hiddenEffects xmlns:a14="http://schemas.microsoft.com/office/drawing/2010/main">
+            <a14:hiddenEffects xmlns:a14="http://schemas.microsoft.com/office/drawing/2010/main" xmlns="">
               <a:effectLst>
                 <a:outerShdw dist="35921" dir="2700000" algn="ctr" rotWithShape="0">
                   <a:schemeClr val="bg2"/>
@@ -21893,7 +22290,7 @@
   </a:extraClrSchemeLst>
   <a:extLst>
     <a:ext uri="{05A4C25C-085E-4340-85A3-A5531E510DB2}">
-      <thm15:themeFamily xmlns:thm15="http://schemas.microsoft.com/office/thememl/2012/main" name="Office Theme" id="{62F939B6-93AF-4DB8-9C6B-D6C7DFDC589F}" vid="{4A3C46E8-61CC-4603-A589-7422A47A8E4A}"/>
+      <thm15:themeFamily xmlns:thm15="http://schemas.microsoft.com/office/thememl/2012/main" xmlns="" name="Office Theme" id="{62F939B6-93AF-4DB8-9C6B-D6C7DFDC589F}" vid="{4A3C46E8-61CC-4603-A589-7422A47A8E4A}"/>
     </a:ext>
   </a:extLst>
 </a:theme>
@@ -22154,7 +22551,7 @@
   <a:extraClrSchemeLst/>
   <a:extLst>
     <a:ext uri="{05A4C25C-085E-4340-85A3-A5531E510DB2}">
-      <thm15:themeFamily xmlns:thm15="http://schemas.microsoft.com/office/thememl/2012/main" name="Office Theme" id="{62F939B6-93AF-4DB8-9C6B-D6C7DFDC589F}" vid="{4A3C46E8-61CC-4603-A589-7422A47A8E4A}"/>
+      <thm15:themeFamily xmlns:thm15="http://schemas.microsoft.com/office/thememl/2012/main" xmlns="" name="Office Theme" id="{62F939B6-93AF-4DB8-9C6B-D6C7DFDC589F}" vid="{4A3C46E8-61CC-4603-A589-7422A47A8E4A}"/>
     </a:ext>
   </a:extLst>
 </a:theme>

--- a/folien/Semester_04_Termin_03_Kapitel11.pptx
+++ b/folien/Semester_04_Termin_03_Kapitel11.pptx
@@ -201,6 +201,10 @@
     </p:ext>
   </p:extLst>
 </p:presentation>
+</file>
+
+<file path=ppt/revisionInfo.xml><?xml version="1.0" encoding="utf-8"?>
+<p1510:revInfo xmlns:a="http://schemas.openxmlformats.org/drawingml/2006/main" xmlns:r="http://schemas.openxmlformats.org/officeDocument/2006/relationships" xmlns:p1510="http://schemas.microsoft.com/office/powerpoint/2015/10/main"/>
 </file>
 
 <file path=ppt/notesMasters/notesMaster1.xml><?xml version="1.0" encoding="utf-8"?>
@@ -13227,7 +13231,7 @@
             </a:br>
             <a:r>
               <a:rPr lang="de-DE" altLang="de-DE" sz="2800" dirty="0"/>
-              <a:t>den 15.05.2016, 24 Uhr mit, wie Sie Ihre Gruppen</a:t>
+              <a:t>den 13.05.2017, 24 Uhr mit, wie Sie Ihre Gruppen</a:t>
             </a:r>
             <a:br>
               <a:rPr lang="de-DE" altLang="de-DE" sz="2800" dirty="0"/>
@@ -18682,7 +18686,7 @@
               <a:rPr lang="de-DE" altLang="de-DE" sz="2800" dirty="0">
                 <a:hlinkClick r:id="rId3"/>
               </a:rPr>
-              <a:t>https://github.com/nordakademie-einfuehrung-java/hausarbeit-w14a-</a:t>
+              <a:t>https://github.com/nordakademie-einfuehrung-java/hausarbeit-w15c-</a:t>
             </a:r>
             <a:r>
               <a:rPr lang="de-DE" altLang="de-DE" sz="2800" i="1" dirty="0">
@@ -18758,15 +18762,8 @@
             </a:r>
             <a:r>
               <a:rPr lang="de-DE" altLang="de-DE" sz="2800" dirty="0"/>
-              <a:t>. Wenn Sie lieber auf einem Nordakademie-internen Server ihre Daten sicher möchten, ist das auch in Ordnung. Aber dann bitte nicht rumjammern… </a:t>
-            </a:r>
-            <a:r>
-              <a:rPr lang="de-DE" altLang="de-DE" sz="2800" dirty="0">
-                <a:sym typeface="Wingdings" panose="05000000000000000000" pitchFamily="2" charset="2"/>
-              </a:rPr>
-              <a:t></a:t>
-            </a:r>
-            <a:endParaRPr lang="de-DE" altLang="de-DE" sz="2800" dirty="0"/>
+              <a:t>. Wenn Sie lieber auf einem Nordakademie-internen Server ihre Daten sichern möchten, ist das auch in Ordnung. Aber dann bitte nicht rumjammern…</a:t>
+            </a:r>
           </a:p>
           <a:p>
             <a:pPr marL="269875" indent="-269875" eaLnBrk="1">
@@ -21292,7 +21289,7 @@
             </a:pPr>
             <a:r>
               <a:rPr lang="de-DE" altLang="de-DE" sz="2800" dirty="0"/>
-              <a:t>Das Thema zur Hausarbeit wird Ihnen spätestens am 17.05.2016 um 0:00 Uhr per E-Mail an den Zenturien-Verteiler zugestellt</a:t>
+              <a:t>Das Thema zur Hausarbeit wird Ihnen spätestens am 16.05.2017 um 0:00 Uhr per E-Mail an den Zenturien-Verteiler zugestellt</a:t>
             </a:r>
           </a:p>
           <a:p>
@@ -21373,7 +21370,7 @@
             </a:pPr>
             <a:r>
               <a:rPr lang="de-DE" altLang="de-DE" sz="2800" dirty="0"/>
-              <a:t>In der Vorlesung am 17.05.2016 wird die Aufgabenstellung vom Dozenten kurz vorgestellt und es können allgemeine Verständnisfragen geklärt werden</a:t>
+              <a:t>Am Ende (!) der Vorlesung vom 16.05.2017 wird die Aufgabenstellung vom Dozenten kurz vorgestellt und es können allgemeine Verständnisfragen geklärt werden</a:t>
             </a:r>
           </a:p>
           <a:p>
@@ -21673,7 +21670,7 @@
             </a:pPr>
             <a:r>
               <a:rPr lang="de-DE" altLang="de-DE" sz="2800" dirty="0"/>
-              <a:t>In der letzten Vorlesung am 14.06.2016 werden die Ergebnisse von jeder Gruppe kurz vorgestellt</a:t>
+              <a:t>In der letzten Vorlesung am 20.06.2017 werden die Ergebnisse von jeder Gruppe kurz vorgestellt</a:t>
             </a:r>
           </a:p>
           <a:p>

--- a/folien/Semester_04_Termin_03_Kapitel11.pptx
+++ b/folien/Semester_04_Termin_03_Kapitel11.pptx
@@ -201,10 +201,6 @@
     </p:ext>
   </p:extLst>
 </p:presentation>
-</file>
-
-<file path=ppt/revisionInfo.xml><?xml version="1.0" encoding="utf-8"?>
-<p1510:revInfo xmlns:a="http://schemas.openxmlformats.org/drawingml/2006/main" xmlns:r="http://schemas.openxmlformats.org/officeDocument/2006/relationships" xmlns:p1510="http://schemas.microsoft.com/office/powerpoint/2015/10/main"/>
 </file>
 
 <file path=ppt/notesMasters/notesMaster1.xml><?xml version="1.0" encoding="utf-8"?>
@@ -13231,7 +13227,7 @@
             </a:br>
             <a:r>
               <a:rPr lang="de-DE" altLang="de-DE" sz="2800" dirty="0"/>
-              <a:t>den 13.05.2017, 24 Uhr mit, wie Sie Ihre Gruppen</a:t>
+              <a:t>den 13.05.2018, 24 Uhr mit, wie Sie Ihre Gruppen</a:t>
             </a:r>
             <a:br>
               <a:rPr lang="de-DE" altLang="de-DE" sz="2800" dirty="0"/>
@@ -18686,7 +18682,7 @@
               <a:rPr lang="de-DE" altLang="de-DE" sz="2800" dirty="0">
                 <a:hlinkClick r:id="rId3"/>
               </a:rPr>
-              <a:t>https://github.com/nordakademie-einfuehrung-java/hausarbeit-w15c-</a:t>
+              <a:t>https://github.com/nordakademie-einfuehrung-java/hausarbeit-w16c-</a:t>
             </a:r>
             <a:r>
               <a:rPr lang="de-DE" altLang="de-DE" sz="2800" i="1" dirty="0">
@@ -21289,7 +21285,7 @@
             </a:pPr>
             <a:r>
               <a:rPr lang="de-DE" altLang="de-DE" sz="2800" dirty="0"/>
-              <a:t>Das Thema zur Hausarbeit wird Ihnen spätestens am 16.05.2017 um 0:00 Uhr per E-Mail an den Zenturien-Verteiler zugestellt</a:t>
+              <a:t>Das Thema zur Hausarbeit wird Ihnen spätestens am 17.05.2018 um 0:00 Uhr per E-Mail an den Zenturien-Verteiler zugestellt</a:t>
             </a:r>
           </a:p>
           <a:p>
@@ -21370,7 +21366,7 @@
             </a:pPr>
             <a:r>
               <a:rPr lang="de-DE" altLang="de-DE" sz="2800" dirty="0"/>
-              <a:t>Am Ende (!) der Vorlesung vom 16.05.2017 wird die Aufgabenstellung vom Dozenten kurz vorgestellt und es können allgemeine Verständnisfragen geklärt werden</a:t>
+              <a:t>Während der Vorlesung vom 24.05.2018 können Fragen zur Aufgabenstellung geklärt werden, die nicht bereits per E-Mail behandelt wurden</a:t>
             </a:r>
           </a:p>
           <a:p>
@@ -21670,7 +21666,60 @@
             </a:pPr>
             <a:r>
               <a:rPr lang="de-DE" altLang="de-DE" sz="2800" dirty="0"/>
-              <a:t>In der letzten Vorlesung am 20.06.2017 werden die Ergebnisse von jeder Gruppe kurz vorgestellt</a:t>
+              <a:t>Die Hausarbeit ist am 13.06.2018 um 23:59 Uhr per E-Mail abzugeben</a:t>
+            </a:r>
+          </a:p>
+          <a:p>
+            <a:pPr marL="269875" indent="-269875" eaLnBrk="1">
+              <a:spcAft>
+                <a:spcPct val="0"/>
+              </a:spcAft>
+              <a:buSzPct val="45000"/>
+              <a:buFont typeface="Wingdings" charset="2"/>
+              <a:buChar char=""/>
+              <a:tabLst>
+                <a:tab pos="723900" algn="l"/>
+                <a:tab pos="1447800" algn="l"/>
+                <a:tab pos="2171700" algn="l"/>
+                <a:tab pos="2895600" algn="l"/>
+                <a:tab pos="3619500" algn="l"/>
+                <a:tab pos="4343400" algn="l"/>
+                <a:tab pos="5067300" algn="l"/>
+                <a:tab pos="5791200" algn="l"/>
+                <a:tab pos="6515100" algn="l"/>
+                <a:tab pos="7239000" algn="l"/>
+                <a:tab pos="7962900" algn="l"/>
+                <a:tab pos="8686800" algn="l"/>
+              </a:tabLst>
+            </a:pPr>
+            <a:endParaRPr lang="de-DE" altLang="de-DE" sz="2800" dirty="0"/>
+          </a:p>
+          <a:p>
+            <a:pPr marL="269875" indent="-269875" eaLnBrk="1">
+              <a:spcAft>
+                <a:spcPct val="0"/>
+              </a:spcAft>
+              <a:buSzPct val="45000"/>
+              <a:buFont typeface="Wingdings" charset="2"/>
+              <a:buChar char=""/>
+              <a:tabLst>
+                <a:tab pos="723900" algn="l"/>
+                <a:tab pos="1447800" algn="l"/>
+                <a:tab pos="2171700" algn="l"/>
+                <a:tab pos="2895600" algn="l"/>
+                <a:tab pos="3619500" algn="l"/>
+                <a:tab pos="4343400" algn="l"/>
+                <a:tab pos="5067300" algn="l"/>
+                <a:tab pos="5791200" algn="l"/>
+                <a:tab pos="6515100" algn="l"/>
+                <a:tab pos="7239000" algn="l"/>
+                <a:tab pos="7962900" algn="l"/>
+                <a:tab pos="8686800" algn="l"/>
+              </a:tabLst>
+            </a:pPr>
+            <a:r>
+              <a:rPr lang="de-DE" altLang="de-DE" sz="2800" dirty="0"/>
+              <a:t>In der letzten Vorlesung am 14.06.2018 werden die Ergebnisse von jeder Gruppe kurz vorgestellt</a:t>
             </a:r>
           </a:p>
           <a:p>
